--- a/lrec_web_service_overview.pptx
+++ b/lrec_web_service_overview.pptx
@@ -2,37 +2,37 @@
 <file path=ppt/presentation.xml><?xml version="1.0" encoding="utf-8"?>
 <p:presentation xmlns:a="http://schemas.openxmlformats.org/drawingml/2006/main" xmlns:r="http://schemas.openxmlformats.org/officeDocument/2006/relationships" xmlns:p="http://schemas.openxmlformats.org/presentationml/2006/main">
   <p:sldMasterIdLst>
-    <p:sldMasterId id="2147483648" r:id="rId5"/>
+    <p:sldMasterId id="2147483648" r:id="rId1"/>
   </p:sldMasterIdLst>
   <p:notesMasterIdLst>
-    <p:notesMasterId r:id="rId7"/>
+    <p:notesMasterId r:id="rId27"/>
   </p:notesMasterIdLst>
   <p:sldIdLst>
-    <p:sldId id="256" r:id="rId8"/>
-    <p:sldId id="257" r:id="rId9"/>
-    <p:sldId id="258" r:id="rId10"/>
-    <p:sldId id="259" r:id="rId11"/>
-    <p:sldId id="260" r:id="rId12"/>
-    <p:sldId id="261" r:id="rId13"/>
-    <p:sldId id="262" r:id="rId14"/>
-    <p:sldId id="263" r:id="rId15"/>
-    <p:sldId id="264" r:id="rId16"/>
-    <p:sldId id="265" r:id="rId17"/>
-    <p:sldId id="266" r:id="rId18"/>
-    <p:sldId id="267" r:id="rId19"/>
-    <p:sldId id="268" r:id="rId20"/>
-    <p:sldId id="269" r:id="rId21"/>
-    <p:sldId id="270" r:id="rId22"/>
-    <p:sldId id="271" r:id="rId23"/>
-    <p:sldId id="272" r:id="rId24"/>
-    <p:sldId id="273" r:id="rId25"/>
-    <p:sldId id="274" r:id="rId26"/>
-    <p:sldId id="275" r:id="rId27"/>
-    <p:sldId id="276" r:id="rId28"/>
-    <p:sldId id="277" r:id="rId29"/>
-    <p:sldId id="278" r:id="rId30"/>
-    <p:sldId id="279" r:id="rId31"/>
-    <p:sldId id="280" r:id="rId32"/>
+    <p:sldId id="256" r:id="rId2"/>
+    <p:sldId id="257" r:id="rId3"/>
+    <p:sldId id="258" r:id="rId4"/>
+    <p:sldId id="259" r:id="rId5"/>
+    <p:sldId id="260" r:id="rId6"/>
+    <p:sldId id="261" r:id="rId7"/>
+    <p:sldId id="262" r:id="rId8"/>
+    <p:sldId id="263" r:id="rId9"/>
+    <p:sldId id="264" r:id="rId10"/>
+    <p:sldId id="265" r:id="rId11"/>
+    <p:sldId id="266" r:id="rId12"/>
+    <p:sldId id="267" r:id="rId13"/>
+    <p:sldId id="268" r:id="rId14"/>
+    <p:sldId id="269" r:id="rId15"/>
+    <p:sldId id="270" r:id="rId16"/>
+    <p:sldId id="271" r:id="rId17"/>
+    <p:sldId id="272" r:id="rId18"/>
+    <p:sldId id="273" r:id="rId19"/>
+    <p:sldId id="274" r:id="rId20"/>
+    <p:sldId id="275" r:id="rId21"/>
+    <p:sldId id="276" r:id="rId22"/>
+    <p:sldId id="277" r:id="rId23"/>
+    <p:sldId id="278" r:id="rId24"/>
+    <p:sldId id="279" r:id="rId25"/>
+    <p:sldId id="280" r:id="rId26"/>
   </p:sldIdLst>
   <p:sldSz cx="13004800" cy="9753600"/>
   <p:notesSz cx="6858000" cy="9144000"/>
@@ -113,13 +113,14 @@
 </p:presentation>
 </file>
 
-<file path=ppt/commentAuthors.xml><?xml version="1.0" encoding="utf-8"?>
-<p:cmAuthorLst xmlns:a="http://schemas.openxmlformats.org/drawingml/2006/main" xmlns:r="http://schemas.openxmlformats.org/officeDocument/2006/relationships" xmlns:p="http://schemas.openxmlformats.org/presentationml/2006/main"/>
-</file>
-
 <file path=ppt/notesMasters/notesMaster1.xml><?xml version="1.0" encoding="utf-8"?>
 <p:notesMaster xmlns:a="http://schemas.openxmlformats.org/drawingml/2006/main" xmlns:r="http://schemas.openxmlformats.org/officeDocument/2006/relationships" xmlns:p="http://schemas.openxmlformats.org/presentationml/2006/main">
   <p:cSld>
+    <p:bg>
+      <p:bgRef idx="1001">
+        <a:schemeClr val="bg1"/>
+      </p:bgRef>
+    </p:bg>
     <p:spTree>
       <p:nvGrpSpPr>
         <p:cNvPr id="1" name=""/>
@@ -137,7 +138,9 @@
       <p:sp>
         <p:nvSpPr>
           <p:cNvPr id="29" name="Shape 29"/>
-          <p:cNvSpPr/>
+          <p:cNvSpPr>
+            <a:spLocks noGrp="1" noRot="1" noChangeAspect="1"/>
+          </p:cNvSpPr>
           <p:nvPr>
             <p:ph type="sldImg"/>
           </p:nvPr>
@@ -156,13 +159,16 @@
           <a:lstStyle/>
           <a:p>
             <a:pPr lvl="0"/>
+            <a:endParaRPr/>
           </a:p>
         </p:txBody>
       </p:sp>
       <p:sp>
         <p:nvSpPr>
           <p:cNvPr id="30" name="Shape 30"/>
-          <p:cNvSpPr/>
+          <p:cNvSpPr>
+            <a:spLocks noGrp="1"/>
+          </p:cNvSpPr>
           <p:nvPr>
             <p:ph type="body" sz="quarter" idx="1"/>
           </p:nvPr>
@@ -181,10 +187,16 @@
           <a:lstStyle/>
           <a:p>
             <a:pPr lvl="0"/>
+            <a:endParaRPr/>
           </a:p>
         </p:txBody>
       </p:sp>
     </p:spTree>
+    <p:extLst>
+      <p:ext uri="{BB962C8B-B14F-4D97-AF65-F5344CB8AC3E}">
+        <p14:creationId xmlns:p14="http://schemas.microsoft.com/office/powerpoint/2010/main" val="3370152866"/>
+      </p:ext>
+    </p:extLst>
   </p:cSld>
   <p:clrMap bg1="lt1" tx1="dk1" bg2="lt2" tx2="dk2" accent1="accent1" accent2="accent2" accent3="accent3" accent4="accent4" accent5="accent5" accent6="accent6" hlink="hlink" folHlink="folHlink"/>
   <p:notesStyle>
@@ -292,7 +304,7 @@
 </file>
 
 <file path=ppt/slideLayouts/slideLayout1.xml><?xml version="1.0" encoding="utf-8"?>
-<p:sldLayout xmlns:a="http://schemas.openxmlformats.org/drawingml/2006/main" xmlns:r="http://schemas.openxmlformats.org/officeDocument/2006/relationships" xmlns:p="http://schemas.openxmlformats.org/presentationml/2006/main" type="tx" showMasterSp="1" showMasterPhAnim="1">
+<p:sldLayout xmlns:a="http://schemas.openxmlformats.org/drawingml/2006/main" xmlns:r="http://schemas.openxmlformats.org/officeDocument/2006/relationships" xmlns:p="http://schemas.openxmlformats.org/presentationml/2006/main" type="tx">
   <p:cSld name="Title &amp; Subtitle">
     <p:spTree>
       <p:nvGrpSpPr>
@@ -311,7 +323,9 @@
       <p:sp>
         <p:nvSpPr>
           <p:cNvPr id="5" name="Shape 5"/>
-          <p:cNvSpPr/>
+          <p:cNvSpPr>
+            <a:spLocks noGrp="1"/>
+          </p:cNvSpPr>
           <p:nvPr>
             <p:ph type="title"/>
           </p:nvPr>
@@ -342,7 +356,9 @@
       <p:sp>
         <p:nvSpPr>
           <p:cNvPr id="6" name="Shape 6"/>
-          <p:cNvSpPr/>
+          <p:cNvSpPr>
+            <a:spLocks noGrp="1"/>
+          </p:cNvSpPr>
           <p:nvPr>
             <p:ph type="body" idx="1"/>
           </p:nvPr>
@@ -408,7 +424,6 @@
               <a:rPr sz="3200"/>
               <a:t>Body Level One</a:t>
             </a:r>
-            <a:endParaRPr sz="3200"/>
           </a:p>
           <a:p>
             <a:pPr lvl="1">
@@ -418,7 +433,6 @@
               <a:rPr sz="3200"/>
               <a:t>Body Level Two</a:t>
             </a:r>
-            <a:endParaRPr sz="3200"/>
           </a:p>
           <a:p>
             <a:pPr lvl="2">
@@ -428,7 +442,6 @@
               <a:rPr sz="3200"/>
               <a:t>Body Level Three</a:t>
             </a:r>
-            <a:endParaRPr sz="3200"/>
           </a:p>
           <a:p>
             <a:pPr lvl="3">
@@ -438,7 +451,6 @@
               <a:rPr sz="3200"/>
               <a:t>Body Level Four</a:t>
             </a:r>
-            <a:endParaRPr sz="3200"/>
           </a:p>
           <a:p>
             <a:pPr lvl="4">
@@ -456,12 +468,12 @@
   <p:clrMapOvr>
     <a:masterClrMapping/>
   </p:clrMapOvr>
-  <p:transition spd="med" advClick="1"/>
+  <p:transition xmlns:p14="http://schemas.microsoft.com/office/powerpoint/2010/main" spd="med"/>
 </p:sldLayout>
 </file>
 
 <file path=ppt/slideLayouts/slideLayout10.xml><?xml version="1.0" encoding="utf-8"?>
-<p:sldLayout xmlns:a="http://schemas.openxmlformats.org/drawingml/2006/main" xmlns:r="http://schemas.openxmlformats.org/officeDocument/2006/relationships" xmlns:p="http://schemas.openxmlformats.org/presentationml/2006/main" type="tx" showMasterSp="1" showMasterPhAnim="1">
+<p:sldLayout xmlns:a="http://schemas.openxmlformats.org/drawingml/2006/main" xmlns:r="http://schemas.openxmlformats.org/officeDocument/2006/relationships" xmlns:p="http://schemas.openxmlformats.org/presentationml/2006/main" type="tx">
   <p:cSld name="Quote">
     <p:spTree>
       <p:nvGrpSpPr>
@@ -482,12 +494,12 @@
   <p:clrMapOvr>
     <a:masterClrMapping/>
   </p:clrMapOvr>
-  <p:transition spd="med" advClick="1"/>
+  <p:transition xmlns:p14="http://schemas.microsoft.com/office/powerpoint/2010/main" spd="med"/>
 </p:sldLayout>
 </file>
 
 <file path=ppt/slideLayouts/slideLayout11.xml><?xml version="1.0" encoding="utf-8"?>
-<p:sldLayout xmlns:a="http://schemas.openxmlformats.org/drawingml/2006/main" xmlns:r="http://schemas.openxmlformats.org/officeDocument/2006/relationships" xmlns:p="http://schemas.openxmlformats.org/presentationml/2006/main" type="tx" showMasterSp="1" showMasterPhAnim="1">
+<p:sldLayout xmlns:a="http://schemas.openxmlformats.org/drawingml/2006/main" xmlns:r="http://schemas.openxmlformats.org/officeDocument/2006/relationships" xmlns:p="http://schemas.openxmlformats.org/presentationml/2006/main" type="tx">
   <p:cSld name="Photo">
     <p:spTree>
       <p:nvGrpSpPr>
@@ -508,12 +520,12 @@
   <p:clrMapOvr>
     <a:masterClrMapping/>
   </p:clrMapOvr>
-  <p:transition spd="med" advClick="1"/>
+  <p:transition xmlns:p14="http://schemas.microsoft.com/office/powerpoint/2010/main" spd="med"/>
 </p:sldLayout>
 </file>
 
 <file path=ppt/slideLayouts/slideLayout12.xml><?xml version="1.0" encoding="utf-8"?>
-<p:sldLayout xmlns:a="http://schemas.openxmlformats.org/drawingml/2006/main" xmlns:r="http://schemas.openxmlformats.org/officeDocument/2006/relationships" xmlns:p="http://schemas.openxmlformats.org/presentationml/2006/main" type="tx" showMasterSp="1" showMasterPhAnim="1">
+<p:sldLayout xmlns:a="http://schemas.openxmlformats.org/drawingml/2006/main" xmlns:r="http://schemas.openxmlformats.org/officeDocument/2006/relationships" xmlns:p="http://schemas.openxmlformats.org/presentationml/2006/main" type="tx">
   <p:cSld name="Blank">
     <p:spTree>
       <p:nvGrpSpPr>
@@ -534,12 +546,12 @@
   <p:clrMapOvr>
     <a:masterClrMapping/>
   </p:clrMapOvr>
-  <p:transition spd="med" advClick="1"/>
+  <p:transition xmlns:p14="http://schemas.microsoft.com/office/powerpoint/2010/main" spd="med"/>
 </p:sldLayout>
 </file>
 
 <file path=ppt/slideLayouts/slideLayout2.xml><?xml version="1.0" encoding="utf-8"?>
-<p:sldLayout xmlns:a="http://schemas.openxmlformats.org/drawingml/2006/main" xmlns:r="http://schemas.openxmlformats.org/officeDocument/2006/relationships" xmlns:p="http://schemas.openxmlformats.org/presentationml/2006/main" type="tx" showMasterSp="1" showMasterPhAnim="1">
+<p:sldLayout xmlns:a="http://schemas.openxmlformats.org/drawingml/2006/main" xmlns:r="http://schemas.openxmlformats.org/officeDocument/2006/relationships" xmlns:p="http://schemas.openxmlformats.org/presentationml/2006/main" type="tx">
   <p:cSld name="Photo - Horizontal">
     <p:spTree>
       <p:nvGrpSpPr>
@@ -558,7 +570,9 @@
       <p:sp>
         <p:nvSpPr>
           <p:cNvPr id="8" name="Shape 8"/>
-          <p:cNvSpPr/>
+          <p:cNvSpPr>
+            <a:spLocks noGrp="1"/>
+          </p:cNvSpPr>
           <p:nvPr>
             <p:ph type="title"/>
           </p:nvPr>
@@ -589,7 +603,9 @@
       <p:sp>
         <p:nvSpPr>
           <p:cNvPr id="9" name="Shape 9"/>
-          <p:cNvSpPr/>
+          <p:cNvSpPr>
+            <a:spLocks noGrp="1"/>
+          </p:cNvSpPr>
           <p:nvPr>
             <p:ph type="body" idx="1"/>
           </p:nvPr>
@@ -655,7 +671,6 @@
               <a:rPr sz="3200"/>
               <a:t>Body Level One</a:t>
             </a:r>
-            <a:endParaRPr sz="3200"/>
           </a:p>
           <a:p>
             <a:pPr lvl="1">
@@ -665,7 +680,6 @@
               <a:rPr sz="3200"/>
               <a:t>Body Level Two</a:t>
             </a:r>
-            <a:endParaRPr sz="3200"/>
           </a:p>
           <a:p>
             <a:pPr lvl="2">
@@ -675,7 +689,6 @@
               <a:rPr sz="3200"/>
               <a:t>Body Level Three</a:t>
             </a:r>
-            <a:endParaRPr sz="3200"/>
           </a:p>
           <a:p>
             <a:pPr lvl="3">
@@ -685,7 +698,6 @@
               <a:rPr sz="3200"/>
               <a:t>Body Level Four</a:t>
             </a:r>
-            <a:endParaRPr sz="3200"/>
           </a:p>
           <a:p>
             <a:pPr lvl="4">
@@ -703,12 +715,12 @@
   <p:clrMapOvr>
     <a:masterClrMapping/>
   </p:clrMapOvr>
-  <p:transition spd="med" advClick="1"/>
+  <p:transition xmlns:p14="http://schemas.microsoft.com/office/powerpoint/2010/main" spd="med"/>
 </p:sldLayout>
 </file>
 
 <file path=ppt/slideLayouts/slideLayout3.xml><?xml version="1.0" encoding="utf-8"?>
-<p:sldLayout xmlns:a="http://schemas.openxmlformats.org/drawingml/2006/main" xmlns:r="http://schemas.openxmlformats.org/officeDocument/2006/relationships" xmlns:p="http://schemas.openxmlformats.org/presentationml/2006/main" type="tx" showMasterSp="1" showMasterPhAnim="1">
+<p:sldLayout xmlns:a="http://schemas.openxmlformats.org/drawingml/2006/main" xmlns:r="http://schemas.openxmlformats.org/officeDocument/2006/relationships" xmlns:p="http://schemas.openxmlformats.org/presentationml/2006/main" type="tx">
   <p:cSld name="Title - Center">
     <p:spTree>
       <p:nvGrpSpPr>
@@ -727,7 +739,9 @@
       <p:sp>
         <p:nvSpPr>
           <p:cNvPr id="11" name="Shape 11"/>
-          <p:cNvSpPr/>
+          <p:cNvSpPr>
+            <a:spLocks noGrp="1"/>
+          </p:cNvSpPr>
           <p:nvPr>
             <p:ph type="title"/>
           </p:nvPr>
@@ -760,12 +774,12 @@
   <p:clrMapOvr>
     <a:masterClrMapping/>
   </p:clrMapOvr>
-  <p:transition spd="med" advClick="1"/>
+  <p:transition xmlns:p14="http://schemas.microsoft.com/office/powerpoint/2010/main" spd="med"/>
 </p:sldLayout>
 </file>
 
 <file path=ppt/slideLayouts/slideLayout4.xml><?xml version="1.0" encoding="utf-8"?>
-<p:sldLayout xmlns:a="http://schemas.openxmlformats.org/drawingml/2006/main" xmlns:r="http://schemas.openxmlformats.org/officeDocument/2006/relationships" xmlns:p="http://schemas.openxmlformats.org/presentationml/2006/main" type="tx" showMasterSp="1" showMasterPhAnim="1">
+<p:sldLayout xmlns:a="http://schemas.openxmlformats.org/drawingml/2006/main" xmlns:r="http://schemas.openxmlformats.org/officeDocument/2006/relationships" xmlns:p="http://schemas.openxmlformats.org/presentationml/2006/main" type="tx">
   <p:cSld name="Photo - Vertical">
     <p:spTree>
       <p:nvGrpSpPr>
@@ -784,7 +798,9 @@
       <p:sp>
         <p:nvSpPr>
           <p:cNvPr id="13" name="Shape 13"/>
-          <p:cNvSpPr/>
+          <p:cNvSpPr>
+            <a:spLocks noGrp="1"/>
+          </p:cNvSpPr>
           <p:nvPr>
             <p:ph type="title"/>
           </p:nvPr>
@@ -819,7 +835,9 @@
       <p:sp>
         <p:nvSpPr>
           <p:cNvPr id="14" name="Shape 14"/>
-          <p:cNvSpPr/>
+          <p:cNvSpPr>
+            <a:spLocks noGrp="1"/>
+          </p:cNvSpPr>
           <p:nvPr>
             <p:ph type="body" idx="1"/>
           </p:nvPr>
@@ -885,7 +903,6 @@
               <a:rPr sz="3200"/>
               <a:t>Body Level One</a:t>
             </a:r>
-            <a:endParaRPr sz="3200"/>
           </a:p>
           <a:p>
             <a:pPr lvl="1">
@@ -895,7 +912,6 @@
               <a:rPr sz="3200"/>
               <a:t>Body Level Two</a:t>
             </a:r>
-            <a:endParaRPr sz="3200"/>
           </a:p>
           <a:p>
             <a:pPr lvl="2">
@@ -905,7 +921,6 @@
               <a:rPr sz="3200"/>
               <a:t>Body Level Three</a:t>
             </a:r>
-            <a:endParaRPr sz="3200"/>
           </a:p>
           <a:p>
             <a:pPr lvl="3">
@@ -915,7 +930,6 @@
               <a:rPr sz="3200"/>
               <a:t>Body Level Four</a:t>
             </a:r>
-            <a:endParaRPr sz="3200"/>
           </a:p>
           <a:p>
             <a:pPr lvl="4">
@@ -933,12 +947,12 @@
   <p:clrMapOvr>
     <a:masterClrMapping/>
   </p:clrMapOvr>
-  <p:transition spd="med" advClick="1"/>
+  <p:transition xmlns:p14="http://schemas.microsoft.com/office/powerpoint/2010/main" spd="med"/>
 </p:sldLayout>
 </file>
 
 <file path=ppt/slideLayouts/slideLayout5.xml><?xml version="1.0" encoding="utf-8"?>
-<p:sldLayout xmlns:a="http://schemas.openxmlformats.org/drawingml/2006/main" xmlns:r="http://schemas.openxmlformats.org/officeDocument/2006/relationships" xmlns:p="http://schemas.openxmlformats.org/presentationml/2006/main" type="tx" showMasterSp="1" showMasterPhAnim="1">
+<p:sldLayout xmlns:a="http://schemas.openxmlformats.org/drawingml/2006/main" xmlns:r="http://schemas.openxmlformats.org/officeDocument/2006/relationships" xmlns:p="http://schemas.openxmlformats.org/presentationml/2006/main" type="tx">
   <p:cSld name="Title - Top">
     <p:spTree>
       <p:nvGrpSpPr>
@@ -957,7 +971,9 @@
       <p:sp>
         <p:nvSpPr>
           <p:cNvPr id="16" name="Shape 16"/>
-          <p:cNvSpPr/>
+          <p:cNvSpPr>
+            <a:spLocks noGrp="1"/>
+          </p:cNvSpPr>
           <p:nvPr>
             <p:ph type="title"/>
           </p:nvPr>
@@ -986,12 +1002,12 @@
   <p:clrMapOvr>
     <a:masterClrMapping/>
   </p:clrMapOvr>
-  <p:transition spd="med" advClick="1"/>
+  <p:transition xmlns:p14="http://schemas.microsoft.com/office/powerpoint/2010/main" spd="med"/>
 </p:sldLayout>
 </file>
 
 <file path=ppt/slideLayouts/slideLayout6.xml><?xml version="1.0" encoding="utf-8"?>
-<p:sldLayout xmlns:a="http://schemas.openxmlformats.org/drawingml/2006/main" xmlns:r="http://schemas.openxmlformats.org/officeDocument/2006/relationships" xmlns:p="http://schemas.openxmlformats.org/presentationml/2006/main" type="tx" showMasterSp="1" showMasterPhAnim="1">
+<p:sldLayout xmlns:a="http://schemas.openxmlformats.org/drawingml/2006/main" xmlns:r="http://schemas.openxmlformats.org/officeDocument/2006/relationships" xmlns:p="http://schemas.openxmlformats.org/presentationml/2006/main" type="tx">
   <p:cSld name="Title &amp; Bullets">
     <p:spTree>
       <p:nvGrpSpPr>
@@ -1010,7 +1026,9 @@
       <p:sp>
         <p:nvSpPr>
           <p:cNvPr id="18" name="Shape 18"/>
-          <p:cNvSpPr/>
+          <p:cNvSpPr>
+            <a:spLocks noGrp="1"/>
+          </p:cNvSpPr>
           <p:nvPr>
             <p:ph type="title"/>
           </p:nvPr>
@@ -1037,7 +1055,9 @@
       <p:sp>
         <p:nvSpPr>
           <p:cNvPr id="19" name="Shape 19"/>
-          <p:cNvSpPr/>
+          <p:cNvSpPr>
+            <a:spLocks noGrp="1"/>
+          </p:cNvSpPr>
           <p:nvPr>
             <p:ph type="body" idx="1"/>
           </p:nvPr>
@@ -1058,7 +1078,6 @@
               <a:rPr sz="3600"/>
               <a:t>Body Level One</a:t>
             </a:r>
-            <a:endParaRPr sz="3600"/>
           </a:p>
           <a:p>
             <a:pPr lvl="1">
@@ -1068,7 +1087,6 @@
               <a:rPr sz="3600"/>
               <a:t>Body Level Two</a:t>
             </a:r>
-            <a:endParaRPr sz="3600"/>
           </a:p>
           <a:p>
             <a:pPr lvl="2">
@@ -1078,7 +1096,6 @@
               <a:rPr sz="3600"/>
               <a:t>Body Level Three</a:t>
             </a:r>
-            <a:endParaRPr sz="3600"/>
           </a:p>
           <a:p>
             <a:pPr lvl="3">
@@ -1088,7 +1105,6 @@
               <a:rPr sz="3600"/>
               <a:t>Body Level Four</a:t>
             </a:r>
-            <a:endParaRPr sz="3600"/>
           </a:p>
           <a:p>
             <a:pPr lvl="4">
@@ -1106,12 +1122,12 @@
   <p:clrMapOvr>
     <a:masterClrMapping/>
   </p:clrMapOvr>
-  <p:transition spd="med" advClick="1"/>
+  <p:transition xmlns:p14="http://schemas.microsoft.com/office/powerpoint/2010/main" spd="med"/>
 </p:sldLayout>
 </file>
 
 <file path=ppt/slideLayouts/slideLayout7.xml><?xml version="1.0" encoding="utf-8"?>
-<p:sldLayout xmlns:a="http://schemas.openxmlformats.org/drawingml/2006/main" xmlns:r="http://schemas.openxmlformats.org/officeDocument/2006/relationships" xmlns:p="http://schemas.openxmlformats.org/presentationml/2006/main" type="tx" showMasterSp="1" showMasterPhAnim="1">
+<p:sldLayout xmlns:a="http://schemas.openxmlformats.org/drawingml/2006/main" xmlns:r="http://schemas.openxmlformats.org/officeDocument/2006/relationships" xmlns:p="http://schemas.openxmlformats.org/presentationml/2006/main" type="tx">
   <p:cSld name="Title, Bullets &amp; Photo">
     <p:spTree>
       <p:nvGrpSpPr>
@@ -1130,7 +1146,9 @@
       <p:sp>
         <p:nvSpPr>
           <p:cNvPr id="21" name="Shape 21"/>
-          <p:cNvSpPr/>
+          <p:cNvSpPr>
+            <a:spLocks noGrp="1"/>
+          </p:cNvSpPr>
           <p:nvPr>
             <p:ph type="title"/>
           </p:nvPr>
@@ -1157,7 +1175,9 @@
       <p:sp>
         <p:nvSpPr>
           <p:cNvPr id="22" name="Shape 22"/>
-          <p:cNvSpPr/>
+          <p:cNvSpPr>
+            <a:spLocks noGrp="1"/>
+          </p:cNvSpPr>
           <p:nvPr>
             <p:ph type="body" idx="1"/>
           </p:nvPr>
@@ -1213,7 +1233,6 @@
               <a:rPr sz="2800"/>
               <a:t>Body Level One</a:t>
             </a:r>
-            <a:endParaRPr sz="2800"/>
           </a:p>
           <a:p>
             <a:pPr lvl="1">
@@ -1223,7 +1242,6 @@
               <a:rPr sz="2800"/>
               <a:t>Body Level Two</a:t>
             </a:r>
-            <a:endParaRPr sz="2800"/>
           </a:p>
           <a:p>
             <a:pPr lvl="2">
@@ -1233,7 +1251,6 @@
               <a:rPr sz="2800"/>
               <a:t>Body Level Three</a:t>
             </a:r>
-            <a:endParaRPr sz="2800"/>
           </a:p>
           <a:p>
             <a:pPr lvl="3">
@@ -1243,7 +1260,6 @@
               <a:rPr sz="2800"/>
               <a:t>Body Level Four</a:t>
             </a:r>
-            <a:endParaRPr sz="2800"/>
           </a:p>
           <a:p>
             <a:pPr lvl="4">
@@ -1261,12 +1277,12 @@
   <p:clrMapOvr>
     <a:masterClrMapping/>
   </p:clrMapOvr>
-  <p:transition spd="med" advClick="1"/>
+  <p:transition xmlns:p14="http://schemas.microsoft.com/office/powerpoint/2010/main" spd="med"/>
 </p:sldLayout>
 </file>
 
 <file path=ppt/slideLayouts/slideLayout8.xml><?xml version="1.0" encoding="utf-8"?>
-<p:sldLayout xmlns:a="http://schemas.openxmlformats.org/drawingml/2006/main" xmlns:r="http://schemas.openxmlformats.org/officeDocument/2006/relationships" xmlns:p="http://schemas.openxmlformats.org/presentationml/2006/main" type="tx" showMasterSp="1" showMasterPhAnim="1">
+<p:sldLayout xmlns:a="http://schemas.openxmlformats.org/drawingml/2006/main" xmlns:r="http://schemas.openxmlformats.org/officeDocument/2006/relationships" xmlns:p="http://schemas.openxmlformats.org/presentationml/2006/main" type="tx">
   <p:cSld name="Bullets">
     <p:spTree>
       <p:nvGrpSpPr>
@@ -1285,7 +1301,9 @@
       <p:sp>
         <p:nvSpPr>
           <p:cNvPr id="24" name="Shape 24"/>
-          <p:cNvSpPr/>
+          <p:cNvSpPr>
+            <a:spLocks noGrp="1"/>
+          </p:cNvSpPr>
           <p:nvPr>
             <p:ph type="body" idx="1"/>
           </p:nvPr>
@@ -1310,7 +1328,6 @@
               <a:rPr sz="3600"/>
               <a:t>Body Level One</a:t>
             </a:r>
-            <a:endParaRPr sz="3600"/>
           </a:p>
           <a:p>
             <a:pPr lvl="1">
@@ -1320,7 +1337,6 @@
               <a:rPr sz="3600"/>
               <a:t>Body Level Two</a:t>
             </a:r>
-            <a:endParaRPr sz="3600"/>
           </a:p>
           <a:p>
             <a:pPr lvl="2">
@@ -1330,7 +1346,6 @@
               <a:rPr sz="3600"/>
               <a:t>Body Level Three</a:t>
             </a:r>
-            <a:endParaRPr sz="3600"/>
           </a:p>
           <a:p>
             <a:pPr lvl="3">
@@ -1340,7 +1355,6 @@
               <a:rPr sz="3600"/>
               <a:t>Body Level Four</a:t>
             </a:r>
-            <a:endParaRPr sz="3600"/>
           </a:p>
           <a:p>
             <a:pPr lvl="4">
@@ -1358,12 +1372,12 @@
   <p:clrMapOvr>
     <a:masterClrMapping/>
   </p:clrMapOvr>
-  <p:transition spd="med" advClick="1"/>
+  <p:transition xmlns:p14="http://schemas.microsoft.com/office/powerpoint/2010/main" spd="med"/>
 </p:sldLayout>
 </file>
 
 <file path=ppt/slideLayouts/slideLayout9.xml><?xml version="1.0" encoding="utf-8"?>
-<p:sldLayout xmlns:a="http://schemas.openxmlformats.org/drawingml/2006/main" xmlns:r="http://schemas.openxmlformats.org/officeDocument/2006/relationships" xmlns:p="http://schemas.openxmlformats.org/presentationml/2006/main" type="tx" showMasterSp="1" showMasterPhAnim="1">
+<p:sldLayout xmlns:a="http://schemas.openxmlformats.org/drawingml/2006/main" xmlns:r="http://schemas.openxmlformats.org/officeDocument/2006/relationships" xmlns:p="http://schemas.openxmlformats.org/presentationml/2006/main" type="tx">
   <p:cSld name="Photo - 3 Up">
     <p:spTree>
       <p:nvGrpSpPr>
@@ -1384,7 +1398,7 @@
   <p:clrMapOvr>
     <a:masterClrMapping/>
   </p:clrMapOvr>
-  <p:transition spd="med" advClick="1"/>
+  <p:transition xmlns:p14="http://schemas.microsoft.com/office/powerpoint/2010/main" spd="med"/>
 </p:sldLayout>
 </file>
 
@@ -1396,6 +1410,7 @@
         <a:solidFill>
           <a:srgbClr val="FFFFFF"/>
         </a:solidFill>
+        <a:effectLst/>
       </p:bgPr>
     </p:bg>
     <p:spTree>
@@ -1415,7 +1430,9 @@
       <p:sp>
         <p:nvSpPr>
           <p:cNvPr id="2" name="Shape 2"/>
-          <p:cNvSpPr/>
+          <p:cNvSpPr>
+            <a:spLocks noGrp="1"/>
+          </p:cNvSpPr>
           <p:nvPr>
             <p:ph type="title"/>
           </p:nvPr>
@@ -1439,7 +1456,7 @@
         </p:spPr>
         <p:txBody>
           <a:bodyPr lIns="0" tIns="0" rIns="0" bIns="0" anchor="ctr">
-            <a:normAutofit fontScale="100000" lnSpcReduction="0"/>
+            <a:normAutofit/>
           </a:bodyPr>
           <a:lstStyle/>
           <a:p>
@@ -1456,7 +1473,9 @@
       <p:sp>
         <p:nvSpPr>
           <p:cNvPr id="3" name="Shape 3"/>
-          <p:cNvSpPr/>
+          <p:cNvSpPr>
+            <a:spLocks noGrp="1"/>
+          </p:cNvSpPr>
           <p:nvPr>
             <p:ph type="body" idx="1"/>
           </p:nvPr>
@@ -1480,7 +1499,7 @@
         </p:spPr>
         <p:txBody>
           <a:bodyPr lIns="0" tIns="0" rIns="0" bIns="0" anchor="ctr">
-            <a:normAutofit fontScale="100000" lnSpcReduction="0"/>
+            <a:normAutofit/>
           </a:bodyPr>
           <a:lstStyle/>
           <a:p>
@@ -1491,7 +1510,6 @@
               <a:rPr sz="3600"/>
               <a:t>Body Level One</a:t>
             </a:r>
-            <a:endParaRPr sz="3600"/>
           </a:p>
           <a:p>
             <a:pPr lvl="1">
@@ -1501,7 +1519,6 @@
               <a:rPr sz="3600"/>
               <a:t>Body Level Two</a:t>
             </a:r>
-            <a:endParaRPr sz="3600"/>
           </a:p>
           <a:p>
             <a:pPr lvl="2">
@@ -1511,7 +1528,6 @@
               <a:rPr sz="3600"/>
               <a:t>Body Level Three</a:t>
             </a:r>
-            <a:endParaRPr sz="3600"/>
           </a:p>
           <a:p>
             <a:pPr lvl="3">
@@ -1521,7 +1537,6 @@
               <a:rPr sz="3600"/>
               <a:t>Body Level Four</a:t>
             </a:r>
-            <a:endParaRPr sz="3600"/>
           </a:p>
           <a:p>
             <a:pPr lvl="4">
@@ -1538,20 +1553,20 @@
   </p:cSld>
   <p:clrMap bg1="lt1" tx1="dk1" bg2="lt2" tx2="dk2" accent1="accent1" accent2="accent2" accent3="accent3" accent4="accent4" accent5="accent5" accent6="accent6" hlink="hlink" folHlink="folHlink"/>
   <p:sldLayoutIdLst>
-    <p:sldLayoutId id="2147483649" r:id="rId2"/>
-    <p:sldLayoutId id="2147483650" r:id="rId3"/>
-    <p:sldLayoutId id="2147483651" r:id="rId4"/>
-    <p:sldLayoutId id="2147483652" r:id="rId5"/>
-    <p:sldLayoutId id="2147483653" r:id="rId6"/>
-    <p:sldLayoutId id="2147483654" r:id="rId7"/>
-    <p:sldLayoutId id="2147483655" r:id="rId8"/>
-    <p:sldLayoutId id="2147483656" r:id="rId9"/>
-    <p:sldLayoutId id="2147483657" r:id="rId10"/>
-    <p:sldLayoutId id="2147483658" r:id="rId11"/>
-    <p:sldLayoutId id="2147483659" r:id="rId12"/>
-    <p:sldLayoutId id="2147483660" r:id="rId13"/>
+    <p:sldLayoutId id="2147483649" r:id="rId1"/>
+    <p:sldLayoutId id="2147483650" r:id="rId2"/>
+    <p:sldLayoutId id="2147483651" r:id="rId3"/>
+    <p:sldLayoutId id="2147483652" r:id="rId4"/>
+    <p:sldLayoutId id="2147483653" r:id="rId5"/>
+    <p:sldLayoutId id="2147483654" r:id="rId6"/>
+    <p:sldLayoutId id="2147483655" r:id="rId7"/>
+    <p:sldLayoutId id="2147483656" r:id="rId8"/>
+    <p:sldLayoutId id="2147483657" r:id="rId9"/>
+    <p:sldLayoutId id="2147483658" r:id="rId10"/>
+    <p:sldLayoutId id="2147483659" r:id="rId11"/>
+    <p:sldLayoutId id="2147483660" r:id="rId12"/>
   </p:sldLayoutIdLst>
-  <p:transition spd="med" advClick="1"/>
+  <p:transition xmlns:p14="http://schemas.microsoft.com/office/powerpoint/2010/main" spd="med"/>
   <p:txStyles>
     <p:titleStyle>
       <a:lvl1pPr algn="ctr" defTabSz="584200">
@@ -1852,7 +1867,7 @@
 </file>
 
 <file path=ppt/slides/slide1.xml><?xml version="1.0" encoding="utf-8"?>
-<p:sld xmlns:a="http://schemas.openxmlformats.org/drawingml/2006/main" xmlns:r="http://schemas.openxmlformats.org/officeDocument/2006/relationships" xmlns:p="http://schemas.openxmlformats.org/presentationml/2006/main" showMasterSp="1" showMasterPhAnim="1">
+<p:sld xmlns:a="http://schemas.openxmlformats.org/drawingml/2006/main" xmlns:r="http://schemas.openxmlformats.org/officeDocument/2006/relationships" xmlns:p="http://schemas.openxmlformats.org/presentationml/2006/main">
   <p:cSld>
     <p:spTree>
       <p:nvGrpSpPr>
@@ -1871,7 +1886,9 @@
       <p:sp>
         <p:nvSpPr>
           <p:cNvPr id="32" name="Shape 32"/>
-          <p:cNvSpPr/>
+          <p:cNvSpPr>
+            <a:spLocks noGrp="1"/>
+          </p:cNvSpPr>
           <p:nvPr>
             <p:ph type="title"/>
           </p:nvPr>
@@ -1898,7 +1915,9 @@
       <p:sp>
         <p:nvSpPr>
           <p:cNvPr id="33" name="Shape 33"/>
-          <p:cNvSpPr/>
+          <p:cNvSpPr>
+            <a:spLocks noGrp="1"/>
+          </p:cNvSpPr>
           <p:nvPr>
             <p:ph type="body" idx="1"/>
           </p:nvPr>
@@ -1922,7 +1941,6 @@
               <a:rPr sz="2365"/>
               <a:t>Lapps Grid Group </a:t>
             </a:r>
-            <a:endParaRPr sz="2365"/>
           </a:p>
           <a:p>
             <a:pPr lvl="0" defTabSz="251460">
@@ -1949,12 +1967,12 @@
   <p:clrMapOvr>
     <a:masterClrMapping/>
   </p:clrMapOvr>
-  <p:transition spd="med" advClick="1"/>
+  <p:transition xmlns:p14="http://schemas.microsoft.com/office/powerpoint/2010/main" spd="med"/>
 </p:sld>
 </file>
 
 <file path=ppt/slides/slide10.xml><?xml version="1.0" encoding="utf-8"?>
-<p:sld xmlns:a="http://schemas.openxmlformats.org/drawingml/2006/main" xmlns:r="http://schemas.openxmlformats.org/officeDocument/2006/relationships" xmlns:p="http://schemas.openxmlformats.org/presentationml/2006/main" showMasterSp="1" showMasterPhAnim="1">
+<p:sld xmlns:a="http://schemas.openxmlformats.org/drawingml/2006/main" xmlns:r="http://schemas.openxmlformats.org/officeDocument/2006/relationships" xmlns:p="http://schemas.openxmlformats.org/presentationml/2006/main">
   <p:cSld>
     <p:spTree>
       <p:nvGrpSpPr>
@@ -1973,7 +1991,9 @@
       <p:sp>
         <p:nvSpPr>
           <p:cNvPr id="67" name="Shape 67"/>
-          <p:cNvSpPr/>
+          <p:cNvSpPr>
+            <a:spLocks noGrp="1"/>
+          </p:cNvSpPr>
           <p:nvPr>
             <p:ph type="title"/>
           </p:nvPr>
@@ -2000,7 +2020,9 @@
       <p:sp>
         <p:nvSpPr>
           <p:cNvPr id="68" name="Shape 68"/>
-          <p:cNvSpPr/>
+          <p:cNvSpPr>
+            <a:spLocks noGrp="1"/>
+          </p:cNvSpPr>
           <p:nvPr>
             <p:ph type="body" idx="1"/>
           </p:nvPr>
@@ -2018,7 +2040,7 @@
           <a:bodyPr/>
           <a:lstStyle/>
           <a:p>
-            <a:pPr lvl="0" marL="337820" indent="-337820" defTabSz="443991">
+            <a:pPr marL="337820" lvl="0" indent="-337820" defTabSz="443991">
               <a:spcBef>
                 <a:spcPts val="3100"/>
               </a:spcBef>
@@ -2040,10 +2062,9 @@
               <a:rPr sz="2736"/>
               <a:t> in 1998 by Dave Winer, Don Box, Bob Atkinson, and Mohsen Al-Ghosein for Microsoft</a:t>
             </a:r>
-            <a:endParaRPr sz="2736"/>
-          </a:p>
-          <a:p>
-            <a:pPr lvl="0" marL="337820" indent="-337820" defTabSz="443991">
+          </a:p>
+          <a:p>
+            <a:pPr marL="337820" lvl="0" indent="-337820" defTabSz="443991">
               <a:spcBef>
                 <a:spcPts val="3100"/>
               </a:spcBef>
@@ -2065,10 +2086,9 @@
               <a:rPr sz="2736"/>
               <a:t>from elsewhere</a:t>
             </a:r>
-            <a:endParaRPr sz="2736"/>
-          </a:p>
-          <a:p>
-            <a:pPr lvl="0" marL="337820" indent="-337820" defTabSz="443991">
+          </a:p>
+          <a:p>
+            <a:pPr marL="337820" lvl="0" indent="-337820" defTabSz="443991">
               <a:spcBef>
                 <a:spcPts val="3100"/>
               </a:spcBef>
@@ -2113,12 +2133,12 @@
   <p:clrMapOvr>
     <a:masterClrMapping/>
   </p:clrMapOvr>
-  <p:transition spd="med" advClick="1"/>
+  <p:transition xmlns:p14="http://schemas.microsoft.com/office/powerpoint/2010/main" spd="med"/>
 </p:sld>
 </file>
 
 <file path=ppt/slides/slide11.xml><?xml version="1.0" encoding="utf-8"?>
-<p:sld xmlns:a="http://schemas.openxmlformats.org/drawingml/2006/main" xmlns:r="http://schemas.openxmlformats.org/officeDocument/2006/relationships" xmlns:p="http://schemas.openxmlformats.org/presentationml/2006/main" showMasterSp="1" showMasterPhAnim="1">
+<p:sld xmlns:a="http://schemas.openxmlformats.org/drawingml/2006/main" xmlns:r="http://schemas.openxmlformats.org/officeDocument/2006/relationships" xmlns:p="http://schemas.openxmlformats.org/presentationml/2006/main">
   <p:cSld>
     <p:spTree>
       <p:nvGrpSpPr>
@@ -2249,10 +2269,10 @@
           </a:lstStyle>
           <a:p>
             <a:pPr lvl="0">
-              <a:defRPr b="0" sz="1800"/>
-            </a:pPr>
-            <a:r>
-              <a:rPr b="1" sz="3600"/>
+              <a:defRPr sz="1800" b="0"/>
+            </a:pPr>
+            <a:r>
+              <a:rPr sz="3600" b="1"/>
               <a:t>XML-RPC Request</a:t>
             </a:r>
           </a:p>
@@ -2292,10 +2312,10 @@
           </a:lstStyle>
           <a:p>
             <a:pPr lvl="0">
-              <a:defRPr b="0" sz="1800"/>
-            </a:pPr>
-            <a:r>
-              <a:rPr b="1" sz="3600"/>
+              <a:defRPr sz="1800" b="0"/>
+            </a:pPr>
+            <a:r>
+              <a:rPr sz="3600" b="1"/>
               <a:t>XML-RPC Response</a:t>
             </a:r>
           </a:p>
@@ -2335,10 +2355,10 @@
           </a:lstStyle>
           <a:p>
             <a:pPr lvl="0">
-              <a:defRPr b="0" sz="1800"/>
-            </a:pPr>
-            <a:r>
-              <a:rPr b="1" sz="3600"/>
+              <a:defRPr sz="1800" b="0"/>
+            </a:pPr>
+            <a:r>
+              <a:rPr sz="3600" b="1"/>
               <a:t>SOAP</a:t>
             </a:r>
           </a:p>
@@ -2349,12 +2369,12 @@
   <p:clrMapOvr>
     <a:masterClrMapping/>
   </p:clrMapOvr>
-  <p:transition spd="med" advClick="1"/>
+  <p:transition xmlns:p14="http://schemas.microsoft.com/office/powerpoint/2010/main" spd="med"/>
 </p:sld>
 </file>
 
 <file path=ppt/slides/slide12.xml><?xml version="1.0" encoding="utf-8"?>
-<p:sld xmlns:a="http://schemas.openxmlformats.org/drawingml/2006/main" xmlns:r="http://schemas.openxmlformats.org/officeDocument/2006/relationships" xmlns:p="http://schemas.openxmlformats.org/presentationml/2006/main" showMasterSp="1" showMasterPhAnim="1">
+<p:sld xmlns:a="http://schemas.openxmlformats.org/drawingml/2006/main" xmlns:r="http://schemas.openxmlformats.org/officeDocument/2006/relationships" xmlns:p="http://schemas.openxmlformats.org/presentationml/2006/main">
   <p:cSld>
     <p:spTree>
       <p:nvGrpSpPr>
@@ -2373,7 +2393,9 @@
       <p:sp>
         <p:nvSpPr>
           <p:cNvPr id="78" name="Shape 78"/>
-          <p:cNvSpPr/>
+          <p:cNvSpPr>
+            <a:spLocks noGrp="1"/>
+          </p:cNvSpPr>
           <p:nvPr>
             <p:ph type="title"/>
           </p:nvPr>
@@ -2400,7 +2422,9 @@
       <p:sp>
         <p:nvSpPr>
           <p:cNvPr id="79" name="Shape 79"/>
-          <p:cNvSpPr/>
+          <p:cNvSpPr>
+            <a:spLocks noGrp="1"/>
+          </p:cNvSpPr>
           <p:nvPr>
             <p:ph type="body" idx="1"/>
           </p:nvPr>
@@ -2418,65 +2442,62 @@
           <a:bodyPr/>
           <a:lstStyle/>
           <a:p>
-            <a:pPr lvl="0" marL="277749" indent="-277749" defTabSz="473201">
+            <a:pPr marL="277749" lvl="0" indent="-277749" defTabSz="473201">
               <a:spcBef>
                 <a:spcPts val="2500"/>
               </a:spcBef>
               <a:defRPr sz="1800"/>
             </a:pPr>
             <a:r>
-              <a:rPr b="1" sz="2268"/>
+              <a:rPr sz="2268" b="1"/>
               <a:t>types</a:t>
             </a:r>
             <a:r>
               <a:rPr sz="2268"/>
               <a:t>:“a container for data type definitions using some type system (such as XSD)”.</a:t>
             </a:r>
-            <a:endParaRPr sz="2268"/>
-          </a:p>
-          <a:p>
-            <a:pPr lvl="0" marL="277749" indent="-277749" defTabSz="473201">
+          </a:p>
+          <a:p>
+            <a:pPr marL="277749" lvl="0" indent="-277749" defTabSz="473201">
               <a:spcBef>
                 <a:spcPts val="2500"/>
               </a:spcBef>
               <a:defRPr sz="1800"/>
             </a:pPr>
             <a:r>
-              <a:rPr b="1" sz="2268"/>
+              <a:rPr sz="2268" b="1"/>
               <a:t>portType/interface</a:t>
             </a:r>
             <a:r>
               <a:rPr sz="2268"/>
               <a:t>: “an abstract set of operations supported by one or more endpoints”.</a:t>
             </a:r>
-            <a:endParaRPr sz="2268"/>
-          </a:p>
-          <a:p>
-            <a:pPr lvl="0" marL="277749" indent="-277749" defTabSz="473201">
+          </a:p>
+          <a:p>
+            <a:pPr marL="277749" lvl="0" indent="-277749" defTabSz="473201">
               <a:spcBef>
                 <a:spcPts val="2500"/>
               </a:spcBef>
               <a:defRPr sz="1800"/>
             </a:pPr>
             <a:r>
-              <a:rPr b="1" sz="2268"/>
+              <a:rPr sz="2268" b="1"/>
               <a:t>binding</a:t>
             </a:r>
             <a:r>
               <a:rPr sz="2268"/>
               <a:t>: “a concrete protocol and data format specification for a particular port type”.</a:t>
             </a:r>
-            <a:endParaRPr sz="2268"/>
-          </a:p>
-          <a:p>
-            <a:pPr lvl="0" marL="277749" indent="-277749" defTabSz="473201">
+          </a:p>
+          <a:p>
+            <a:pPr marL="277749" lvl="0" indent="-277749" defTabSz="473201">
               <a:spcBef>
                 <a:spcPts val="2500"/>
               </a:spcBef>
               <a:defRPr sz="1800"/>
             </a:pPr>
             <a:r>
-              <a:rPr b="1" sz="2268"/>
+              <a:rPr sz="2268" b="1"/>
               <a:t>port/endpoint</a:t>
             </a:r>
             <a:r>
@@ -2518,12 +2539,12 @@
   <p:clrMapOvr>
     <a:masterClrMapping/>
   </p:clrMapOvr>
-  <p:transition spd="med" advClick="1"/>
+  <p:transition xmlns:p14="http://schemas.microsoft.com/office/powerpoint/2010/main" spd="med"/>
 </p:sld>
 </file>
 
 <file path=ppt/slides/slide13.xml><?xml version="1.0" encoding="utf-8"?>
-<p:sld xmlns:a="http://schemas.openxmlformats.org/drawingml/2006/main" xmlns:r="http://schemas.openxmlformats.org/officeDocument/2006/relationships" xmlns:p="http://schemas.openxmlformats.org/presentationml/2006/main" showMasterSp="1" showMasterPhAnim="1">
+<p:sld xmlns:a="http://schemas.openxmlformats.org/drawingml/2006/main" xmlns:r="http://schemas.openxmlformats.org/officeDocument/2006/relationships" xmlns:p="http://schemas.openxmlformats.org/presentationml/2006/main">
   <p:cSld>
     <p:spTree>
       <p:nvGrpSpPr>
@@ -2600,10 +2621,10 @@
           </a:lstStyle>
           <a:p>
             <a:pPr lvl="0">
-              <a:defRPr b="0" sz="1800"/>
-            </a:pPr>
-            <a:r>
-              <a:rPr b="1" sz="3600"/>
+              <a:defRPr sz="1800" b="0"/>
+            </a:pPr>
+            <a:r>
+              <a:rPr sz="3600" b="1"/>
               <a:t>WSDL 1.1 elements</a:t>
             </a:r>
           </a:p>
@@ -2630,7 +2651,7 @@
             <a:miter lim="400000"/>
           </a:ln>
           <a:effectLst>
-            <a:outerShdw sx="100000" sy="100000" kx="0" ky="0" algn="b" rotWithShape="0" blurRad="50800" dist="12700" dir="0">
+            <a:outerShdw blurRad="50800" dist="12700" rotWithShape="0">
               <a:srgbClr val="000000">
                 <a:alpha val="50000"/>
               </a:srgbClr>
@@ -2695,7 +2716,7 @@
             <a:miter lim="400000"/>
           </a:ln>
           <a:effectLst>
-            <a:outerShdw sx="100000" sy="100000" kx="0" ky="0" algn="b" rotWithShape="0" blurRad="50800" dist="12700" dir="0">
+            <a:outerShdw blurRad="50800" dist="12700" rotWithShape="0">
               <a:srgbClr val="000000">
                 <a:alpha val="50000"/>
               </a:srgbClr>
@@ -2760,7 +2781,7 @@
             <a:miter lim="400000"/>
           </a:ln>
           <a:effectLst>
-            <a:outerShdw sx="100000" sy="100000" kx="0" ky="0" algn="b" rotWithShape="0" blurRad="50800" dist="12700" dir="0">
+            <a:outerShdw blurRad="50800" dist="12700" rotWithShape="0">
               <a:srgbClr val="000000">
                 <a:alpha val="50000"/>
               </a:srgbClr>
@@ -2825,7 +2846,7 @@
             <a:miter lim="400000"/>
           </a:ln>
           <a:effectLst>
-            <a:outerShdw sx="100000" sy="100000" kx="0" ky="0" algn="b" rotWithShape="0" blurRad="50800" dist="12700" dir="0">
+            <a:outerShdw blurRad="50800" dist="12700" rotWithShape="0">
               <a:srgbClr val="000000">
                 <a:alpha val="50000"/>
               </a:srgbClr>
@@ -2890,7 +2911,7 @@
             <a:miter lim="400000"/>
           </a:ln>
           <a:effectLst>
-            <a:outerShdw sx="100000" sy="100000" kx="0" ky="0" algn="b" rotWithShape="0" blurRad="38100" dist="25400" dir="5400000">
+            <a:outerShdw blurRad="38100" dist="25400" dir="5400000" rotWithShape="0">
               <a:srgbClr val="000000">
                 <a:alpha val="50000"/>
               </a:srgbClr>
@@ -2955,7 +2976,7 @@
             <a:miter lim="400000"/>
           </a:ln>
           <a:effectLst>
-            <a:outerShdw sx="100000" sy="100000" kx="0" ky="0" algn="b" rotWithShape="0" blurRad="38100" dist="25400" dir="5400000">
+            <a:outerShdw blurRad="38100" dist="25400" dir="5400000" rotWithShape="0">
               <a:srgbClr val="000000">
                 <a:alpha val="50000"/>
               </a:srgbClr>
@@ -3027,6 +3048,7 @@
             <a:pPr lvl="0">
               <a:defRPr sz="2400"/>
             </a:pPr>
+            <a:endParaRPr/>
           </a:p>
         </p:txBody>
       </p:sp>
@@ -3058,6 +3080,7 @@
             <a:pPr lvl="0">
               <a:defRPr sz="2400"/>
             </a:pPr>
+            <a:endParaRPr/>
           </a:p>
         </p:txBody>
       </p:sp>
@@ -3094,27 +3117,25 @@
               <a:defRPr sz="1800"/>
             </a:pPr>
             <a:r>
-              <a:rPr b="1" sz="2600"/>
+              <a:rPr sz="2600" b="1"/>
               <a:t>Service</a:t>
             </a:r>
-            <a:endParaRPr b="1" sz="2600"/>
-          </a:p>
-          <a:p>
-            <a:pPr lvl="0">
-              <a:defRPr sz="1800"/>
-            </a:pPr>
-            <a:r>
-              <a:rPr b="1" sz="2600"/>
+          </a:p>
+          <a:p>
+            <a:pPr lvl="0">
+              <a:defRPr sz="1800"/>
+            </a:pPr>
+            <a:r>
+              <a:rPr sz="2600" b="1"/>
               <a:t>Interface</a:t>
             </a:r>
-            <a:endParaRPr b="1" sz="2600"/>
-          </a:p>
-          <a:p>
-            <a:pPr lvl="0">
-              <a:defRPr sz="1800"/>
-            </a:pPr>
-            <a:r>
-              <a:rPr b="1" sz="2600"/>
+          </a:p>
+          <a:p>
+            <a:pPr lvl="0">
+              <a:defRPr sz="1800"/>
+            </a:pPr>
+            <a:r>
+              <a:rPr sz="2600" b="1"/>
               <a:t>Definition</a:t>
             </a:r>
           </a:p>
@@ -3153,27 +3174,25 @@
               <a:defRPr sz="1800"/>
             </a:pPr>
             <a:r>
-              <a:rPr b="1" sz="2600"/>
+              <a:rPr sz="2600" b="1"/>
               <a:t>Service</a:t>
             </a:r>
-            <a:endParaRPr b="1" sz="2600"/>
-          </a:p>
-          <a:p>
-            <a:pPr lvl="0">
-              <a:defRPr sz="1800"/>
-            </a:pPr>
-            <a:r>
-              <a:rPr b="1" sz="2600"/>
+          </a:p>
+          <a:p>
+            <a:pPr lvl="0">
+              <a:defRPr sz="1800"/>
+            </a:pPr>
+            <a:r>
+              <a:rPr sz="2600" b="1"/>
               <a:t>Implementation</a:t>
             </a:r>
-            <a:endParaRPr b="1" sz="2600"/>
-          </a:p>
-          <a:p>
-            <a:pPr lvl="0">
-              <a:defRPr sz="1800"/>
-            </a:pPr>
-            <a:r>
-              <a:rPr b="1" sz="2600"/>
+          </a:p>
+          <a:p>
+            <a:pPr lvl="0">
+              <a:defRPr sz="1800"/>
+            </a:pPr>
+            <a:r>
+              <a:rPr sz="2600" b="1"/>
               <a:t>Definition</a:t>
             </a:r>
           </a:p>
@@ -3184,12 +3203,12 @@
   <p:clrMapOvr>
     <a:masterClrMapping/>
   </p:clrMapOvr>
-  <p:transition spd="med" advClick="1"/>
+  <p:transition xmlns:p14="http://schemas.microsoft.com/office/powerpoint/2010/main" spd="med"/>
 </p:sld>
 </file>
 
 <file path=ppt/slides/slide14.xml><?xml version="1.0" encoding="utf-8"?>
-<p:sld xmlns:a="http://schemas.openxmlformats.org/drawingml/2006/main" xmlns:r="http://schemas.openxmlformats.org/officeDocument/2006/relationships" xmlns:p="http://schemas.openxmlformats.org/presentationml/2006/main" showMasterSp="1" showMasterPhAnim="1">
+<p:sld xmlns:a="http://schemas.openxmlformats.org/drawingml/2006/main" xmlns:r="http://schemas.openxmlformats.org/officeDocument/2006/relationships" xmlns:p="http://schemas.openxmlformats.org/presentationml/2006/main">
   <p:cSld>
     <p:spTree>
       <p:nvGrpSpPr>
@@ -3266,10 +3285,10 @@
           </a:lstStyle>
           <a:p>
             <a:pPr lvl="0">
-              <a:defRPr b="0" sz="1800"/>
-            </a:pPr>
-            <a:r>
-              <a:rPr b="1" sz="3600"/>
+              <a:defRPr sz="1800" b="0"/>
+            </a:pPr>
+            <a:r>
+              <a:rPr sz="3600" b="1"/>
               <a:t>WSDL 2.0 elements</a:t>
             </a:r>
           </a:p>
@@ -3296,7 +3315,7 @@
             <a:miter lim="400000"/>
           </a:ln>
           <a:effectLst>
-            <a:outerShdw sx="100000" sy="100000" kx="0" ky="0" algn="b" rotWithShape="0" blurRad="50800" dist="12700" dir="0">
+            <a:outerShdw blurRad="50800" dist="12700" rotWithShape="0">
               <a:srgbClr val="000000">
                 <a:alpha val="50000"/>
               </a:srgbClr>
@@ -3361,7 +3380,7 @@
             <a:miter lim="400000"/>
           </a:ln>
           <a:effectLst>
-            <a:outerShdw sx="100000" sy="100000" kx="0" ky="0" algn="b" rotWithShape="0" blurRad="50800" dist="12700" dir="0">
+            <a:outerShdw blurRad="50800" dist="12700" rotWithShape="0">
               <a:srgbClr val="000000">
                 <a:alpha val="50000"/>
               </a:srgbClr>
@@ -3426,7 +3445,7 @@
             <a:miter lim="400000"/>
           </a:ln>
           <a:effectLst>
-            <a:outerShdw sx="100000" sy="100000" kx="0" ky="0" algn="b" rotWithShape="0" blurRad="50800" dist="12700" dir="0">
+            <a:outerShdw blurRad="50800" dist="12700" rotWithShape="0">
               <a:srgbClr val="000000">
                 <a:alpha val="50000"/>
               </a:srgbClr>
@@ -3491,7 +3510,7 @@
             <a:miter lim="400000"/>
           </a:ln>
           <a:effectLst>
-            <a:outerShdw sx="100000" sy="100000" kx="0" ky="0" algn="b" rotWithShape="0" blurRad="38100" dist="25400" dir="5400000">
+            <a:outerShdw blurRad="38100" dist="25400" dir="5400000" rotWithShape="0">
               <a:srgbClr val="000000">
                 <a:alpha val="50000"/>
               </a:srgbClr>
@@ -3556,7 +3575,7 @@
             <a:miter lim="400000"/>
           </a:ln>
           <a:effectLst>
-            <a:outerShdw sx="100000" sy="100000" kx="0" ky="0" algn="b" rotWithShape="0" blurRad="38100" dist="25400" dir="5400000">
+            <a:outerShdw blurRad="38100" dist="25400" dir="5400000" rotWithShape="0">
               <a:srgbClr val="000000">
                 <a:alpha val="50000"/>
               </a:srgbClr>
@@ -3605,12 +3624,12 @@
   <p:clrMapOvr>
     <a:masterClrMapping/>
   </p:clrMapOvr>
-  <p:transition spd="med" advClick="1"/>
+  <p:transition xmlns:p14="http://schemas.microsoft.com/office/powerpoint/2010/main" spd="med"/>
 </p:sld>
 </file>
 
 <file path=ppt/slides/slide15.xml><?xml version="1.0" encoding="utf-8"?>
-<p:sld xmlns:a="http://schemas.openxmlformats.org/drawingml/2006/main" xmlns:r="http://schemas.openxmlformats.org/officeDocument/2006/relationships" xmlns:p="http://schemas.openxmlformats.org/presentationml/2006/main" showMasterSp="1" showMasterPhAnim="1">
+<p:sld xmlns:a="http://schemas.openxmlformats.org/drawingml/2006/main" xmlns:r="http://schemas.openxmlformats.org/officeDocument/2006/relationships" xmlns:p="http://schemas.openxmlformats.org/presentationml/2006/main">
   <p:cSld>
     <p:spTree>
       <p:nvGrpSpPr>
@@ -3629,7 +3648,9 @@
       <p:sp>
         <p:nvSpPr>
           <p:cNvPr id="103" name="Shape 103"/>
-          <p:cNvSpPr/>
+          <p:cNvSpPr>
+            <a:spLocks noGrp="1"/>
+          </p:cNvSpPr>
           <p:nvPr>
             <p:ph type="title"/>
           </p:nvPr>
@@ -3660,7 +3681,9 @@
       <p:sp>
         <p:nvSpPr>
           <p:cNvPr id="104" name="Shape 104"/>
-          <p:cNvSpPr/>
+          <p:cNvSpPr>
+            <a:spLocks noGrp="1"/>
+          </p:cNvSpPr>
           <p:nvPr>
             <p:ph type="body" idx="1"/>
           </p:nvPr>
@@ -3675,6 +3698,7 @@
           <a:lstStyle/>
           <a:p>
             <a:pPr lvl="0"/>
+            <a:endParaRPr/>
           </a:p>
         </p:txBody>
       </p:sp>
@@ -3710,12 +3734,12 @@
   <p:clrMapOvr>
     <a:masterClrMapping/>
   </p:clrMapOvr>
-  <p:transition spd="med" advClick="1"/>
+  <p:transition xmlns:p14="http://schemas.microsoft.com/office/powerpoint/2010/main" spd="med"/>
 </p:sld>
 </file>
 
 <file path=ppt/slides/slide16.xml><?xml version="1.0" encoding="utf-8"?>
-<p:sld xmlns:a="http://schemas.openxmlformats.org/drawingml/2006/main" xmlns:r="http://schemas.openxmlformats.org/officeDocument/2006/relationships" xmlns:p="http://schemas.openxmlformats.org/presentationml/2006/main" showMasterSp="1" showMasterPhAnim="1">
+<p:sld xmlns:a="http://schemas.openxmlformats.org/drawingml/2006/main" xmlns:r="http://schemas.openxmlformats.org/officeDocument/2006/relationships" xmlns:p="http://schemas.openxmlformats.org/presentationml/2006/main">
   <p:cSld>
     <p:spTree>
       <p:nvGrpSpPr>
@@ -3734,7 +3758,9 @@
       <p:sp>
         <p:nvSpPr>
           <p:cNvPr id="107" name="Shape 107"/>
-          <p:cNvSpPr/>
+          <p:cNvSpPr>
+            <a:spLocks noGrp="1"/>
+          </p:cNvSpPr>
           <p:nvPr>
             <p:ph type="title"/>
           </p:nvPr>
@@ -3761,7 +3787,9 @@
       <p:sp>
         <p:nvSpPr>
           <p:cNvPr id="108" name="Shape 108"/>
-          <p:cNvSpPr/>
+          <p:cNvSpPr>
+            <a:spLocks noGrp="1"/>
+          </p:cNvSpPr>
           <p:nvPr>
             <p:ph type="body" idx="1"/>
           </p:nvPr>
@@ -3775,14 +3803,14 @@
           <a:bodyPr/>
           <a:lstStyle/>
           <a:p>
-            <a:pPr lvl="0" marL="391159" indent="-391159" defTabSz="514095">
+            <a:pPr marL="391159" lvl="0" indent="-391159" defTabSz="514095">
               <a:spcBef>
                 <a:spcPts val="3600"/>
               </a:spcBef>
               <a:defRPr sz="1800"/>
             </a:pPr>
             <a:r>
-              <a:rPr b="1" sz="3168"/>
+              <a:rPr sz="3168" b="1"/>
               <a:t>Business information</a:t>
             </a:r>
             <a:r>
@@ -3801,17 +3829,16 @@
               <a:rPr sz="3168"/>
               <a:t> structure. </a:t>
             </a:r>
-            <a:endParaRPr sz="3168"/>
-          </a:p>
-          <a:p>
-            <a:pPr lvl="0" marL="391159" indent="-391159" defTabSz="514095">
+          </a:p>
+          <a:p>
+            <a:pPr marL="391159" lvl="0" indent="-391159" defTabSz="514095">
               <a:spcBef>
                 <a:spcPts val="3600"/>
               </a:spcBef>
               <a:defRPr sz="1800"/>
             </a:pPr>
             <a:r>
-              <a:rPr b="1" sz="3168"/>
+              <a:rPr sz="3168" b="1"/>
               <a:t>Service information</a:t>
             </a:r>
             <a:r>
@@ -3830,17 +3857,16 @@
               <a:rPr sz="3168"/>
               <a:t> structure. </a:t>
             </a:r>
-            <a:endParaRPr sz="3168"/>
-          </a:p>
-          <a:p>
-            <a:pPr lvl="0" marL="391159" indent="-391159" defTabSz="514095">
+          </a:p>
+          <a:p>
+            <a:pPr marL="391159" lvl="0" indent="-391159" defTabSz="514095">
               <a:spcBef>
                 <a:spcPts val="3600"/>
               </a:spcBef>
               <a:defRPr sz="1800"/>
             </a:pPr>
             <a:r>
-              <a:rPr b="1" sz="3168"/>
+              <a:rPr sz="3168" b="1"/>
               <a:t>Binding information</a:t>
             </a:r>
             <a:r>
@@ -3859,17 +3885,16 @@
               <a:rPr sz="3168"/>
               <a:t> structure. </a:t>
             </a:r>
-            <a:endParaRPr sz="3168"/>
-          </a:p>
-          <a:p>
-            <a:pPr lvl="0" marL="391159" indent="-391159" defTabSz="514095">
+          </a:p>
+          <a:p>
+            <a:pPr marL="391159" lvl="0" indent="-391159" defTabSz="514095">
               <a:spcBef>
                 <a:spcPts val="3600"/>
               </a:spcBef>
               <a:defRPr sz="1800"/>
             </a:pPr>
             <a:r>
-              <a:rPr b="1" sz="3168"/>
+              <a:rPr sz="3168" b="1"/>
               <a:t>Information describing the specifications for services</a:t>
             </a:r>
             <a:r>
@@ -3896,12 +3921,12 @@
   <p:clrMapOvr>
     <a:masterClrMapping/>
   </p:clrMapOvr>
-  <p:transition spd="med" advClick="1"/>
+  <p:transition xmlns:p14="http://schemas.microsoft.com/office/powerpoint/2010/main" spd="med"/>
 </p:sld>
 </file>
 
 <file path=ppt/slides/slide17.xml><?xml version="1.0" encoding="utf-8"?>
-<p:sld xmlns:a="http://schemas.openxmlformats.org/drawingml/2006/main" xmlns:r="http://schemas.openxmlformats.org/officeDocument/2006/relationships" xmlns:p="http://schemas.openxmlformats.org/presentationml/2006/main" showMasterSp="1" showMasterPhAnim="1">
+<p:sld xmlns:a="http://schemas.openxmlformats.org/drawingml/2006/main" xmlns:r="http://schemas.openxmlformats.org/officeDocument/2006/relationships" xmlns:p="http://schemas.openxmlformats.org/presentationml/2006/main">
   <p:cSld>
     <p:spTree>
       <p:nvGrpSpPr>
@@ -3920,7 +3945,9 @@
       <p:sp>
         <p:nvSpPr>
           <p:cNvPr id="110" name="Shape 110"/>
-          <p:cNvSpPr/>
+          <p:cNvSpPr>
+            <a:spLocks noGrp="1"/>
+          </p:cNvSpPr>
           <p:nvPr>
             <p:ph type="title"/>
           </p:nvPr>
@@ -3951,7 +3978,9 @@
       <p:sp>
         <p:nvSpPr>
           <p:cNvPr id="111" name="Shape 111"/>
-          <p:cNvSpPr/>
+          <p:cNvSpPr>
+            <a:spLocks noGrp="1"/>
+          </p:cNvSpPr>
           <p:nvPr>
             <p:ph type="body" idx="1"/>
           </p:nvPr>
@@ -3966,6 +3995,7 @@
           <a:lstStyle/>
           <a:p>
             <a:pPr lvl="0"/>
+            <a:endParaRPr/>
           </a:p>
         </p:txBody>
       </p:sp>
@@ -4001,12 +4031,12 @@
   <p:clrMapOvr>
     <a:masterClrMapping/>
   </p:clrMapOvr>
-  <p:transition spd="med" advClick="1"/>
+  <p:transition xmlns:p14="http://schemas.microsoft.com/office/powerpoint/2010/main" spd="med"/>
 </p:sld>
 </file>
 
 <file path=ppt/slides/slide18.xml><?xml version="1.0" encoding="utf-8"?>
-<p:sld xmlns:a="http://schemas.openxmlformats.org/drawingml/2006/main" xmlns:r="http://schemas.openxmlformats.org/officeDocument/2006/relationships" xmlns:p="http://schemas.openxmlformats.org/presentationml/2006/main" showMasterSp="1" showMasterPhAnim="1">
+<p:sld xmlns:a="http://schemas.openxmlformats.org/drawingml/2006/main" xmlns:r="http://schemas.openxmlformats.org/officeDocument/2006/relationships" xmlns:p="http://schemas.openxmlformats.org/presentationml/2006/main">
   <p:cSld>
     <p:spTree>
       <p:nvGrpSpPr>
@@ -4054,12 +4084,12 @@
   <p:clrMapOvr>
     <a:masterClrMapping/>
   </p:clrMapOvr>
-  <p:transition spd="med" advClick="1"/>
+  <p:transition xmlns:p14="http://schemas.microsoft.com/office/powerpoint/2010/main" spd="med"/>
 </p:sld>
 </file>
 
 <file path=ppt/slides/slide19.xml><?xml version="1.0" encoding="utf-8"?>
-<p:sld xmlns:a="http://schemas.openxmlformats.org/drawingml/2006/main" xmlns:r="http://schemas.openxmlformats.org/officeDocument/2006/relationships" xmlns:p="http://schemas.openxmlformats.org/presentationml/2006/main" showMasterSp="1" showMasterPhAnim="1">
+<p:sld xmlns:a="http://schemas.openxmlformats.org/drawingml/2006/main" xmlns:r="http://schemas.openxmlformats.org/officeDocument/2006/relationships" xmlns:p="http://schemas.openxmlformats.org/presentationml/2006/main">
   <p:cSld>
     <p:spTree>
       <p:nvGrpSpPr>
@@ -4078,7 +4108,9 @@
       <p:sp>
         <p:nvSpPr>
           <p:cNvPr id="116" name="Shape 116"/>
-          <p:cNvSpPr/>
+          <p:cNvSpPr>
+            <a:spLocks noGrp="1"/>
+          </p:cNvSpPr>
           <p:nvPr>
             <p:ph type="title"/>
           </p:nvPr>
@@ -4109,7 +4141,9 @@
       <p:sp>
         <p:nvSpPr>
           <p:cNvPr id="117" name="Shape 117"/>
-          <p:cNvSpPr/>
+          <p:cNvSpPr>
+            <a:spLocks noGrp="1"/>
+          </p:cNvSpPr>
           <p:nvPr>
             <p:ph type="body" idx="1"/>
           </p:nvPr>
@@ -4123,7 +4157,7 @@
           <a:bodyPr/>
           <a:lstStyle/>
           <a:p>
-            <a:pPr lvl="0" marL="315594" indent="-315594" defTabSz="414781">
+            <a:pPr marL="315594" lvl="0" indent="-315594" defTabSz="414781">
               <a:spcBef>
                 <a:spcPts val="2900"/>
               </a:spcBef>
@@ -4133,10 +4167,9 @@
               <a:rPr sz="2556"/>
               <a:t>Definition:</a:t>
             </a:r>
-            <a:endParaRPr sz="2556"/>
-          </a:p>
-          <a:p>
-            <a:pPr lvl="1" marL="631189" indent="-315594" defTabSz="414781">
+          </a:p>
+          <a:p>
+            <a:pPr marL="631189" lvl="1" indent="-315594" defTabSz="414781">
               <a:spcBef>
                 <a:spcPts val="2900"/>
               </a:spcBef>
@@ -4146,10 +4179,9 @@
               <a:rPr sz="2556"/>
               <a:t>Service-oriented architecture (SOA) is a software design and software architecture design pattern based on discrete pieces of software providing application functionality as services to other applications</a:t>
             </a:r>
-            <a:endParaRPr sz="2556"/>
-          </a:p>
-          <a:p>
-            <a:pPr lvl="0" marL="315594" indent="-315594" defTabSz="414781">
+          </a:p>
+          <a:p>
+            <a:pPr marL="315594" lvl="0" indent="-315594" defTabSz="414781">
               <a:spcBef>
                 <a:spcPts val="2900"/>
               </a:spcBef>
@@ -4159,10 +4191,9 @@
               <a:rPr sz="2556"/>
               <a:t>Characteristics</a:t>
             </a:r>
-            <a:endParaRPr sz="2556"/>
-          </a:p>
-          <a:p>
-            <a:pPr lvl="1" marL="631189" indent="-315594" defTabSz="414781">
+          </a:p>
+          <a:p>
+            <a:pPr marL="631189" lvl="1" indent="-315594" defTabSz="414781">
               <a:spcBef>
                 <a:spcPts val="2900"/>
               </a:spcBef>
@@ -4172,10 +4203,9 @@
               <a:rPr sz="2556"/>
               <a:t>Interoperable, Loosely Coupled, Reusable,  Scalable</a:t>
             </a:r>
-            <a:endParaRPr sz="2556"/>
-          </a:p>
-          <a:p>
-            <a:pPr lvl="0" marL="315594" indent="-315594" defTabSz="414781">
+          </a:p>
+          <a:p>
+            <a:pPr marL="315594" lvl="0" indent="-315594" defTabSz="414781">
               <a:spcBef>
                 <a:spcPts val="2900"/>
               </a:spcBef>
@@ -4185,10 +4215,9 @@
               <a:rPr sz="2556"/>
               <a:t>Value-Added Layer</a:t>
             </a:r>
-            <a:endParaRPr sz="2556"/>
-          </a:p>
-          <a:p>
-            <a:pPr lvl="0" marL="315594" indent="-315594" defTabSz="414781">
+          </a:p>
+          <a:p>
+            <a:pPr marL="315594" lvl="0" indent="-315594" defTabSz="414781">
               <a:spcBef>
                 <a:spcPts val="2900"/>
               </a:spcBef>
@@ -4230,12 +4259,12 @@
   <p:clrMapOvr>
     <a:masterClrMapping/>
   </p:clrMapOvr>
-  <p:transition spd="med" advClick="1"/>
+  <p:transition xmlns:p14="http://schemas.microsoft.com/office/powerpoint/2010/main" spd="med"/>
 </p:sld>
 </file>
 
 <file path=ppt/slides/slide2.xml><?xml version="1.0" encoding="utf-8"?>
-<p:sld xmlns:a="http://schemas.openxmlformats.org/drawingml/2006/main" xmlns:r="http://schemas.openxmlformats.org/officeDocument/2006/relationships" xmlns:p="http://schemas.openxmlformats.org/presentationml/2006/main" showMasterSp="1" showMasterPhAnim="1">
+<p:sld xmlns:a="http://schemas.openxmlformats.org/drawingml/2006/main" xmlns:r="http://schemas.openxmlformats.org/officeDocument/2006/relationships" xmlns:p="http://schemas.openxmlformats.org/presentationml/2006/main">
   <p:cSld>
     <p:spTree>
       <p:nvGrpSpPr>
@@ -4254,7 +4283,9 @@
       <p:sp>
         <p:nvSpPr>
           <p:cNvPr id="35" name="Shape 35"/>
-          <p:cNvSpPr/>
+          <p:cNvSpPr>
+            <a:spLocks noGrp="1"/>
+          </p:cNvSpPr>
           <p:nvPr>
             <p:ph type="title"/>
           </p:nvPr>
@@ -4281,7 +4312,9 @@
       <p:sp>
         <p:nvSpPr>
           <p:cNvPr id="36" name="Shape 36"/>
-          <p:cNvSpPr/>
+          <p:cNvSpPr>
+            <a:spLocks noGrp="1"/>
+          </p:cNvSpPr>
           <p:nvPr>
             <p:ph type="body" idx="1"/>
           </p:nvPr>
@@ -4302,7 +4335,6 @@
               <a:rPr sz="3600"/>
               <a:t>Introduction</a:t>
             </a:r>
-            <a:endParaRPr sz="3600"/>
           </a:p>
           <a:p>
             <a:pPr lvl="0">
@@ -4312,7 +4344,6 @@
               <a:rPr sz="3600"/>
               <a:t>Web Service Model</a:t>
             </a:r>
-            <a:endParaRPr sz="3600"/>
           </a:p>
           <a:p>
             <a:pPr lvl="0">
@@ -4322,7 +4353,6 @@
               <a:rPr sz="3600"/>
               <a:t>Web Service Techniques</a:t>
             </a:r>
-            <a:endParaRPr sz="3600"/>
           </a:p>
           <a:p>
             <a:pPr lvl="0">
@@ -4332,7 +4362,6 @@
               <a:rPr sz="3600"/>
               <a:t>Service Oriented Architecture </a:t>
             </a:r>
-            <a:endParaRPr sz="3600"/>
           </a:p>
           <a:p>
             <a:pPr lvl="0">
@@ -4350,12 +4379,12 @@
   <p:clrMapOvr>
     <a:masterClrMapping/>
   </p:clrMapOvr>
-  <p:transition spd="med" advClick="1"/>
+  <p:transition xmlns:p14="http://schemas.microsoft.com/office/powerpoint/2010/main" spd="med"/>
 </p:sld>
 </file>
 
 <file path=ppt/slides/slide20.xml><?xml version="1.0" encoding="utf-8"?>
-<p:sld xmlns:a="http://schemas.openxmlformats.org/drawingml/2006/main" xmlns:r="http://schemas.openxmlformats.org/officeDocument/2006/relationships" xmlns:p="http://schemas.openxmlformats.org/presentationml/2006/main" showMasterSp="1" showMasterPhAnim="1">
+<p:sld xmlns:a="http://schemas.openxmlformats.org/drawingml/2006/main" xmlns:r="http://schemas.openxmlformats.org/officeDocument/2006/relationships" xmlns:p="http://schemas.openxmlformats.org/presentationml/2006/main">
   <p:cSld>
     <p:spTree>
       <p:nvGrpSpPr>
@@ -4374,7 +4403,9 @@
       <p:sp>
         <p:nvSpPr>
           <p:cNvPr id="120" name="Shape 120"/>
-          <p:cNvSpPr/>
+          <p:cNvSpPr>
+            <a:spLocks noGrp="1"/>
+          </p:cNvSpPr>
           <p:nvPr>
             <p:ph type="title"/>
           </p:nvPr>
@@ -4419,7 +4450,7 @@
             <a:miter lim="400000"/>
           </a:ln>
           <a:effectLst>
-            <a:outerShdw sx="100000" sy="100000" kx="0" ky="0" algn="b" rotWithShape="0" blurRad="50800" dist="12700" dir="0">
+            <a:outerShdw blurRad="50800" dist="12700" rotWithShape="0">
               <a:srgbClr val="000000">
                 <a:alpha val="50000"/>
               </a:srgbClr>
@@ -4494,7 +4525,7 @@
             </a:cxnLst>
             <a:rect l="0" t="0" r="r" b="b"/>
             <a:pathLst>
-              <a:path w="19679" h="19679" fill="norm" stroke="1" extrusionOk="0">
+              <a:path w="19679" h="19679" extrusionOk="0">
                 <a:moveTo>
                   <a:pt x="16796" y="2882"/>
                 </a:moveTo>
@@ -4536,6 +4567,7 @@
             <a:pPr lvl="0">
               <a:defRPr sz="2400"/>
             </a:pPr>
+            <a:endParaRPr/>
           </a:p>
         </p:txBody>
       </p:sp>
@@ -4560,7 +4592,7 @@
             <a:miter lim="400000"/>
           </a:ln>
           <a:effectLst>
-            <a:outerShdw sx="100000" sy="100000" kx="0" ky="0" algn="b" rotWithShape="0" blurRad="50800" dist="12700" dir="0">
+            <a:outerShdw blurRad="50800" dist="12700" rotWithShape="0">
               <a:srgbClr val="000000">
                 <a:alpha val="50000"/>
               </a:srgbClr>
@@ -4625,7 +4657,7 @@
             <a:miter lim="400000"/>
           </a:ln>
           <a:effectLst>
-            <a:outerShdw sx="100000" sy="100000" kx="0" ky="0" algn="b" rotWithShape="0" blurRad="50800" dist="12700" dir="0">
+            <a:outerShdw blurRad="50800" dist="12700" rotWithShape="0">
               <a:srgbClr val="000000">
                 <a:alpha val="50000"/>
               </a:srgbClr>
@@ -4690,7 +4722,7 @@
             <a:miter lim="400000"/>
           </a:ln>
           <a:effectLst>
-            <a:outerShdw sx="100000" sy="100000" kx="0" ky="0" algn="b" rotWithShape="0" blurRad="38100" dist="25400" dir="5400000">
+            <a:outerShdw blurRad="38100" dist="25400" dir="5400000" rotWithShape="0">
               <a:srgbClr val="000000">
                 <a:alpha val="50000"/>
               </a:srgbClr>
@@ -4755,7 +4787,7 @@
             <a:miter lim="400000"/>
           </a:ln>
           <a:effectLst>
-            <a:outerShdw sx="100000" sy="100000" kx="0" ky="0" algn="b" rotWithShape="0" blurRad="38100" dist="25400" dir="5400000">
+            <a:outerShdw blurRad="38100" dist="25400" dir="5400000" rotWithShape="0">
               <a:srgbClr val="000000">
                 <a:alpha val="50000"/>
               </a:srgbClr>
@@ -4820,7 +4852,7 @@
             <a:miter lim="400000"/>
           </a:ln>
           <a:effectLst>
-            <a:outerShdw sx="100000" sy="100000" kx="0" ky="0" algn="b" rotWithShape="0" blurRad="38100" dist="25400" dir="5400000">
+            <a:outerShdw blurRad="38100" dist="25400" dir="5400000" rotWithShape="0">
               <a:srgbClr val="000000">
                 <a:alpha val="50000"/>
               </a:srgbClr>
@@ -4885,7 +4917,7 @@
             <a:miter lim="400000"/>
           </a:ln>
           <a:effectLst>
-            <a:outerShdw sx="100000" sy="100000" kx="0" ky="0" algn="b" rotWithShape="0" blurRad="38100" dist="25400" dir="5400000">
+            <a:outerShdw blurRad="38100" dist="25400" dir="5400000" rotWithShape="0">
               <a:srgbClr val="000000">
                 <a:alpha val="50000"/>
               </a:srgbClr>
@@ -4960,7 +4992,7 @@
             </a:cxnLst>
             <a:rect l="0" t="0" r="r" b="b"/>
             <a:pathLst>
-              <a:path w="19679" h="19679" fill="norm" stroke="1" extrusionOk="0">
+              <a:path w="19679" h="19679" extrusionOk="0">
                 <a:moveTo>
                   <a:pt x="16796" y="2882"/>
                 </a:moveTo>
@@ -5002,6 +5034,7 @@
             <a:pPr lvl="0">
               <a:defRPr sz="2400"/>
             </a:pPr>
+            <a:endParaRPr/>
           </a:p>
         </p:txBody>
       </p:sp>
@@ -5026,7 +5059,7 @@
             <a:miter lim="400000"/>
           </a:ln>
           <a:effectLst>
-            <a:outerShdw sx="100000" sy="100000" kx="0" ky="0" algn="b" rotWithShape="0" blurRad="38100" dist="25400" dir="5400000">
+            <a:outerShdw blurRad="38100" dist="25400" dir="5400000" rotWithShape="0">
               <a:srgbClr val="000000">
                 <a:alpha val="50000"/>
               </a:srgbClr>
@@ -5091,7 +5124,7 @@
             <a:miter lim="400000"/>
           </a:ln>
           <a:effectLst>
-            <a:outerShdw sx="100000" sy="100000" kx="0" ky="0" algn="b" rotWithShape="0" blurRad="38100" dist="25400" dir="5400000">
+            <a:outerShdw blurRad="38100" dist="25400" dir="5400000" rotWithShape="0">
               <a:srgbClr val="000000">
                 <a:alpha val="50000"/>
               </a:srgbClr>
@@ -5156,7 +5189,7 @@
             <a:miter lim="400000"/>
           </a:ln>
           <a:effectLst>
-            <a:outerShdw sx="100000" sy="100000" kx="0" ky="0" algn="b" rotWithShape="0" blurRad="38100" dist="25400" dir="5400000">
+            <a:outerShdw blurRad="38100" dist="25400" dir="5400000" rotWithShape="0">
               <a:srgbClr val="000000">
                 <a:alpha val="50000"/>
               </a:srgbClr>
@@ -5317,6 +5350,7 @@
             <a:pPr lvl="0">
               <a:defRPr sz="2400"/>
             </a:pPr>
+            <a:endParaRPr/>
           </a:p>
         </p:txBody>
       </p:sp>
@@ -5351,7 +5385,7 @@
             </a:cxnLst>
             <a:rect l="0" t="0" r="r" b="b"/>
             <a:pathLst>
-              <a:path w="21600" h="21600" fill="norm" stroke="1" extrusionOk="0">
+              <a:path w="21600" h="21600" extrusionOk="0">
                 <a:moveTo>
                   <a:pt x="7117" y="14256"/>
                 </a:moveTo>
@@ -5391,6 +5425,7 @@
             <a:pPr lvl="0">
               <a:defRPr sz="2400"/>
             </a:pPr>
+            <a:endParaRPr/>
           </a:p>
         </p:txBody>
       </p:sp>
@@ -5415,7 +5450,7 @@
             <a:miter lim="400000"/>
           </a:ln>
           <a:effectLst>
-            <a:outerShdw sx="100000" sy="100000" kx="0" ky="0" algn="b" rotWithShape="0" blurRad="50800" dist="12700" dir="0">
+            <a:outerShdw blurRad="50800" dist="12700" rotWithShape="0">
               <a:srgbClr val="000000">
                 <a:alpha val="50000"/>
               </a:srgbClr>
@@ -5480,7 +5515,7 @@
             <a:miter lim="400000"/>
           </a:ln>
           <a:effectLst>
-            <a:outerShdw sx="100000" sy="100000" kx="0" ky="0" algn="b" rotWithShape="0" blurRad="50800" dist="12700" dir="0">
+            <a:outerShdw blurRad="50800" dist="12700" rotWithShape="0">
               <a:srgbClr val="000000">
                 <a:alpha val="50000"/>
               </a:srgbClr>
@@ -5615,12 +5650,12 @@
   <p:clrMapOvr>
     <a:masterClrMapping/>
   </p:clrMapOvr>
-  <p:transition spd="med" advClick="1"/>
+  <p:transition xmlns:p14="http://schemas.microsoft.com/office/powerpoint/2010/main" spd="med"/>
 </p:sld>
 </file>
 
 <file path=ppt/slides/slide21.xml><?xml version="1.0" encoding="utf-8"?>
-<p:sld xmlns:a="http://schemas.openxmlformats.org/drawingml/2006/main" xmlns:r="http://schemas.openxmlformats.org/officeDocument/2006/relationships" xmlns:p="http://schemas.openxmlformats.org/presentationml/2006/main" showMasterSp="1" showMasterPhAnim="1">
+<p:sld xmlns:a="http://schemas.openxmlformats.org/drawingml/2006/main" xmlns:r="http://schemas.openxmlformats.org/officeDocument/2006/relationships" xmlns:p="http://schemas.openxmlformats.org/presentationml/2006/main">
   <p:cSld>
     <p:spTree>
       <p:nvGrpSpPr>
@@ -5639,7 +5674,9 @@
       <p:sp>
         <p:nvSpPr>
           <p:cNvPr id="142" name="Shape 142"/>
-          <p:cNvSpPr/>
+          <p:cNvSpPr>
+            <a:spLocks noGrp="1"/>
+          </p:cNvSpPr>
           <p:nvPr>
             <p:ph type="title"/>
           </p:nvPr>
@@ -5688,7 +5725,7 @@
             <a:miter lim="400000"/>
           </a:ln>
           <a:effectLst>
-            <a:outerShdw sx="100000" sy="100000" kx="0" ky="0" algn="b" rotWithShape="0" blurRad="50800" dist="12700" dir="0">
+            <a:outerShdw blurRad="50800" dist="12700" rotWithShape="0">
               <a:srgbClr val="000000">
                 <a:alpha val="50000"/>
               </a:srgbClr>
@@ -5753,7 +5790,7 @@
             <a:miter lim="400000"/>
           </a:ln>
           <a:effectLst>
-            <a:outerShdw sx="100000" sy="100000" kx="0" ky="0" algn="b" rotWithShape="0" blurRad="50800" dist="12700" dir="0">
+            <a:outerShdw blurRad="50800" dist="12700" rotWithShape="0">
               <a:srgbClr val="000000">
                 <a:alpha val="50000"/>
               </a:srgbClr>
@@ -5818,7 +5855,7 @@
             <a:miter lim="400000"/>
           </a:ln>
           <a:effectLst>
-            <a:outerShdw sx="100000" sy="100000" kx="0" ky="0" algn="b" rotWithShape="0" blurRad="50800" dist="12700" dir="0">
+            <a:outerShdw blurRad="50800" dist="12700" rotWithShape="0">
               <a:srgbClr val="000000">
                 <a:alpha val="50000"/>
               </a:srgbClr>
@@ -5889,6 +5926,7 @@
             <a:pPr lvl="0">
               <a:defRPr sz="2400"/>
             </a:pPr>
+            <a:endParaRPr/>
           </a:p>
         </p:txBody>
       </p:sp>
@@ -5918,6 +5956,7 @@
             <a:pPr lvl="0">
               <a:defRPr sz="2400"/>
             </a:pPr>
+            <a:endParaRPr/>
           </a:p>
         </p:txBody>
       </p:sp>
@@ -5948,6 +5987,7 @@
             <a:pPr lvl="0">
               <a:defRPr sz="2400"/>
             </a:pPr>
+            <a:endParaRPr/>
           </a:p>
         </p:txBody>
       </p:sp>
@@ -5972,7 +6012,7 @@
             <a:miter lim="400000"/>
           </a:ln>
           <a:effectLst>
-            <a:outerShdw sx="100000" sy="100000" kx="0" ky="0" algn="b" rotWithShape="0" blurRad="50800" dist="12700" dir="0">
+            <a:outerShdw blurRad="50800" dist="12700" rotWithShape="0">
               <a:srgbClr val="000000">
                 <a:alpha val="50000"/>
               </a:srgbClr>
@@ -6037,7 +6077,7 @@
             <a:miter lim="400000"/>
           </a:ln>
           <a:effectLst>
-            <a:outerShdw sx="100000" sy="100000" kx="0" ky="0" algn="b" rotWithShape="0" blurRad="50800" dist="12700" dir="0">
+            <a:outerShdw blurRad="50800" dist="12700" rotWithShape="0">
               <a:srgbClr val="000000">
                 <a:alpha val="50000"/>
               </a:srgbClr>
@@ -6078,11 +6118,6 @@
               </a:rPr>
               <a:t>Governance</a:t>
             </a:r>
-            <a:endParaRPr sz="2800">
-              <a:solidFill>
-                <a:srgbClr val="FFFFFF"/>
-              </a:solidFill>
-            </a:endParaRPr>
           </a:p>
         </p:txBody>
       </p:sp>
@@ -6107,7 +6142,7 @@
             <a:miter lim="400000"/>
           </a:ln>
           <a:effectLst>
-            <a:outerShdw sx="100000" sy="100000" kx="0" ky="0" algn="b" rotWithShape="0" blurRad="50800" dist="12700" dir="0">
+            <a:outerShdw blurRad="50800" dist="12700" rotWithShape="0">
               <a:srgbClr val="000000">
                 <a:alpha val="50000"/>
               </a:srgbClr>
@@ -6148,11 +6183,6 @@
               </a:rPr>
               <a:t>Front-End</a:t>
             </a:r>
-            <a:endParaRPr sz="2800">
-              <a:solidFill>
-                <a:srgbClr val="FFFFFF"/>
-              </a:solidFill>
-            </a:endParaRPr>
           </a:p>
         </p:txBody>
       </p:sp>
@@ -6183,6 +6213,7 @@
             <a:pPr lvl="0">
               <a:defRPr sz="2400"/>
             </a:pPr>
+            <a:endParaRPr/>
           </a:p>
         </p:txBody>
       </p:sp>
@@ -6213,6 +6244,7 @@
             <a:pPr lvl="0">
               <a:defRPr sz="2400"/>
             </a:pPr>
+            <a:endParaRPr/>
           </a:p>
         </p:txBody>
       </p:sp>
@@ -6243,6 +6275,7 @@
             <a:pPr lvl="0">
               <a:defRPr sz="2400"/>
             </a:pPr>
+            <a:endParaRPr/>
           </a:p>
         </p:txBody>
       </p:sp>
@@ -6267,7 +6300,7 @@
             <a:miter lim="400000"/>
           </a:ln>
           <a:effectLst>
-            <a:outerShdw sx="100000" sy="100000" kx="0" ky="0" algn="b" rotWithShape="0" blurRad="38100" dist="25400" dir="5400000">
+            <a:outerShdw blurRad="38100" dist="25400" dir="5400000" rotWithShape="0">
               <a:srgbClr val="000000">
                 <a:alpha val="50000"/>
               </a:srgbClr>
@@ -6332,7 +6365,7 @@
             <a:miter lim="400000"/>
           </a:ln>
           <a:effectLst>
-            <a:outerShdw sx="100000" sy="100000" kx="0" ky="0" algn="b" rotWithShape="0" blurRad="38100" dist="25400" dir="5400000">
+            <a:outerShdw blurRad="38100" dist="25400" dir="5400000" rotWithShape="0">
               <a:srgbClr val="000000">
                 <a:alpha val="50000"/>
               </a:srgbClr>
@@ -6403,6 +6436,7 @@
             <a:pPr lvl="0">
               <a:defRPr sz="2400"/>
             </a:pPr>
+            <a:endParaRPr/>
           </a:p>
         </p:txBody>
       </p:sp>
@@ -6432,6 +6466,7 @@
             <a:pPr lvl="0">
               <a:defRPr sz="2400"/>
             </a:pPr>
+            <a:endParaRPr/>
           </a:p>
         </p:txBody>
       </p:sp>
@@ -6462,6 +6497,7 @@
             <a:pPr lvl="0">
               <a:defRPr sz="2400"/>
             </a:pPr>
+            <a:endParaRPr/>
           </a:p>
         </p:txBody>
       </p:sp>
@@ -6486,7 +6522,7 @@
             <a:miter lim="400000"/>
           </a:ln>
           <a:effectLst>
-            <a:outerShdw sx="100000" sy="100000" kx="0" ky="0" algn="b" rotWithShape="0" blurRad="38100" dist="25400" dir="5400000">
+            <a:outerShdw blurRad="38100" dist="25400" dir="5400000" rotWithShape="0">
               <a:srgbClr val="000000">
                 <a:alpha val="50000"/>
               </a:srgbClr>
@@ -6557,6 +6593,7 @@
             <a:pPr lvl="0">
               <a:defRPr sz="2400"/>
             </a:pPr>
+            <a:endParaRPr/>
           </a:p>
         </p:txBody>
       </p:sp>
@@ -6586,6 +6623,7 @@
             <a:pPr lvl="0">
               <a:defRPr sz="2400"/>
             </a:pPr>
+            <a:endParaRPr/>
           </a:p>
         </p:txBody>
       </p:sp>
@@ -6610,7 +6648,7 @@
             <a:miter lim="400000"/>
           </a:ln>
           <a:effectLst>
-            <a:outerShdw sx="100000" sy="100000" kx="0" ky="0" algn="b" rotWithShape="0" blurRad="38100" dist="25400" dir="5400000">
+            <a:outerShdw blurRad="38100" dist="25400" dir="5400000" rotWithShape="0">
               <a:srgbClr val="000000">
                 <a:alpha val="50000"/>
               </a:srgbClr>
@@ -6675,7 +6713,7 @@
             <a:miter lim="400000"/>
           </a:ln>
           <a:effectLst>
-            <a:outerShdw sx="100000" sy="100000" kx="0" ky="0" algn="b" rotWithShape="0" blurRad="38100" dist="25400" dir="5400000">
+            <a:outerShdw blurRad="38100" dist="25400" dir="5400000" rotWithShape="0">
               <a:srgbClr val="000000">
                 <a:alpha val="50000"/>
               </a:srgbClr>
@@ -6745,6 +6783,7 @@
             <a:pPr lvl="0">
               <a:defRPr sz="2400"/>
             </a:pPr>
+            <a:endParaRPr/>
           </a:p>
         </p:txBody>
       </p:sp>
@@ -6775,6 +6814,7 @@
             <a:pPr lvl="0">
               <a:defRPr sz="2400"/>
             </a:pPr>
+            <a:endParaRPr/>
           </a:p>
         </p:txBody>
       </p:sp>
@@ -6805,6 +6845,7 @@
             <a:pPr lvl="0">
               <a:defRPr sz="2400"/>
             </a:pPr>
+            <a:endParaRPr/>
           </a:p>
         </p:txBody>
       </p:sp>
@@ -6834,6 +6875,7 @@
             <a:pPr lvl="0">
               <a:defRPr sz="2400"/>
             </a:pPr>
+            <a:endParaRPr/>
           </a:p>
         </p:txBody>
       </p:sp>
@@ -6842,12 +6884,12 @@
   <p:clrMapOvr>
     <a:masterClrMapping/>
   </p:clrMapOvr>
-  <p:transition spd="med" advClick="1"/>
+  <p:transition xmlns:p14="http://schemas.microsoft.com/office/powerpoint/2010/main" spd="med"/>
 </p:sld>
 </file>
 
 <file path=ppt/slides/slide22.xml><?xml version="1.0" encoding="utf-8"?>
-<p:sld xmlns:a="http://schemas.openxmlformats.org/drawingml/2006/main" xmlns:r="http://schemas.openxmlformats.org/officeDocument/2006/relationships" xmlns:p="http://schemas.openxmlformats.org/presentationml/2006/main" showMasterSp="1" showMasterPhAnim="1">
+<p:sld xmlns:a="http://schemas.openxmlformats.org/drawingml/2006/main" xmlns:r="http://schemas.openxmlformats.org/officeDocument/2006/relationships" xmlns:p="http://schemas.openxmlformats.org/presentationml/2006/main">
   <p:cSld>
     <p:spTree>
       <p:nvGrpSpPr>
@@ -6866,7 +6908,9 @@
       <p:sp>
         <p:nvSpPr>
           <p:cNvPr id="170" name="Shape 170"/>
-          <p:cNvSpPr/>
+          <p:cNvSpPr>
+            <a:spLocks noGrp="1"/>
+          </p:cNvSpPr>
           <p:nvPr>
             <p:ph type="title"/>
           </p:nvPr>
@@ -6893,7 +6937,9 @@
       <p:sp>
         <p:nvSpPr>
           <p:cNvPr id="171" name="Shape 171"/>
-          <p:cNvSpPr/>
+          <p:cNvSpPr>
+            <a:spLocks noGrp="1"/>
+          </p:cNvSpPr>
           <p:nvPr>
             <p:ph type="body" idx="1"/>
           </p:nvPr>
@@ -6911,7 +6957,7 @@
           <a:bodyPr/>
           <a:lstStyle/>
           <a:p>
-            <a:pPr lvl="0" marL="336042" indent="-336042" defTabSz="572516">
+            <a:pPr marL="336042" lvl="0" indent="-336042" defTabSz="572516">
               <a:spcBef>
                 <a:spcPts val="3100"/>
               </a:spcBef>
@@ -6921,10 +6967,9 @@
               <a:rPr sz="2744"/>
               <a:t>Flexible composition. </a:t>
             </a:r>
-            <a:endParaRPr sz="2744"/>
-          </a:p>
-          <a:p>
-            <a:pPr lvl="0" marL="336042" indent="-336042" defTabSz="572516">
+          </a:p>
+          <a:p>
+            <a:pPr marL="336042" lvl="0" indent="-336042" defTabSz="572516">
               <a:spcBef>
                 <a:spcPts val="3100"/>
               </a:spcBef>
@@ -6934,10 +6979,9 @@
               <a:rPr sz="2744"/>
               <a:t>Reuse. </a:t>
             </a:r>
-            <a:endParaRPr sz="2744"/>
-          </a:p>
-          <a:p>
-            <a:pPr lvl="0" marL="336042" indent="-336042" defTabSz="572516">
+          </a:p>
+          <a:p>
+            <a:pPr marL="336042" lvl="0" indent="-336042" defTabSz="572516">
               <a:spcBef>
                 <a:spcPts val="3100"/>
               </a:spcBef>
@@ -6947,10 +6991,9 @@
               <a:rPr sz="2744"/>
               <a:t>Functional standardization in lower levels</a:t>
             </a:r>
-            <a:endParaRPr sz="2744"/>
-          </a:p>
-          <a:p>
-            <a:pPr lvl="0" marL="336042" indent="-336042" defTabSz="572516">
+          </a:p>
+          <a:p>
+            <a:pPr marL="336042" lvl="0" indent="-336042" defTabSz="572516">
               <a:spcBef>
                 <a:spcPts val="3100"/>
               </a:spcBef>
@@ -6960,10 +7003,9 @@
               <a:rPr sz="2744"/>
               <a:t>Customization in higher layers</a:t>
             </a:r>
-            <a:endParaRPr sz="2744"/>
-          </a:p>
-          <a:p>
-            <a:pPr lvl="0" marL="336042" indent="-336042" defTabSz="572516">
+          </a:p>
+          <a:p>
+            <a:pPr marL="336042" lvl="0" indent="-336042" defTabSz="572516">
               <a:spcBef>
                 <a:spcPts val="3100"/>
               </a:spcBef>
@@ -6973,10 +7015,9 @@
               <a:rPr sz="2744"/>
               <a:t>Separation of concerns. </a:t>
             </a:r>
-            <a:endParaRPr sz="2744"/>
-          </a:p>
-          <a:p>
-            <a:pPr lvl="0" marL="336042" indent="-336042" defTabSz="572516">
+          </a:p>
+          <a:p>
+            <a:pPr marL="336042" lvl="0" indent="-336042" defTabSz="572516">
               <a:spcBef>
                 <a:spcPts val="3100"/>
               </a:spcBef>
@@ -7021,12 +7062,12 @@
   <p:clrMapOvr>
     <a:masterClrMapping/>
   </p:clrMapOvr>
-  <p:transition spd="med" advClick="1"/>
+  <p:transition xmlns:p14="http://schemas.microsoft.com/office/powerpoint/2010/main" spd="med"/>
 </p:sld>
 </file>
 
 <file path=ppt/slides/slide23.xml><?xml version="1.0" encoding="utf-8"?>
-<p:sld xmlns:a="http://schemas.openxmlformats.org/drawingml/2006/main" xmlns:r="http://schemas.openxmlformats.org/officeDocument/2006/relationships" xmlns:p="http://schemas.openxmlformats.org/presentationml/2006/main" showMasterSp="1" showMasterPhAnim="1">
+<p:sld xmlns:a="http://schemas.openxmlformats.org/drawingml/2006/main" xmlns:r="http://schemas.openxmlformats.org/officeDocument/2006/relationships" xmlns:p="http://schemas.openxmlformats.org/presentationml/2006/main">
   <p:cSld>
     <p:spTree>
       <p:nvGrpSpPr>
@@ -7045,7 +7086,9 @@
       <p:sp>
         <p:nvSpPr>
           <p:cNvPr id="174" name="Shape 174"/>
-          <p:cNvSpPr/>
+          <p:cNvSpPr>
+            <a:spLocks noGrp="1"/>
+          </p:cNvSpPr>
           <p:nvPr>
             <p:ph type="title"/>
           </p:nvPr>
@@ -7072,7 +7115,9 @@
       <p:sp>
         <p:nvSpPr>
           <p:cNvPr id="175" name="Shape 175"/>
-          <p:cNvSpPr/>
+          <p:cNvSpPr>
+            <a:spLocks noGrp="1"/>
+          </p:cNvSpPr>
           <p:nvPr>
             <p:ph type="body" idx="1"/>
           </p:nvPr>
@@ -7086,7 +7131,7 @@
           <a:bodyPr/>
           <a:lstStyle/>
           <a:p>
-            <a:pPr lvl="0" marL="422275" indent="-422275" defTabSz="554990">
+            <a:pPr marL="422275" lvl="0" indent="-422275" defTabSz="554990">
               <a:spcBef>
                 <a:spcPts val="3900"/>
               </a:spcBef>
@@ -7096,10 +7141,9 @@
               <a:rPr sz="3420"/>
               <a:t>Transaction management is complex in interactions between logically separate system</a:t>
             </a:r>
-            <a:endParaRPr sz="3420"/>
-          </a:p>
-          <a:p>
-            <a:pPr lvl="0" marL="422275" indent="-422275" defTabSz="554990">
+          </a:p>
+          <a:p>
+            <a:pPr marL="422275" lvl="0" indent="-422275" defTabSz="554990">
               <a:spcBef>
                 <a:spcPts val="3900"/>
               </a:spcBef>
@@ -7109,10 +7153,9 @@
               <a:rPr sz="3420"/>
               <a:t>Finding the right services and right interfaces</a:t>
             </a:r>
-            <a:endParaRPr sz="3420"/>
-          </a:p>
-          <a:p>
-            <a:pPr lvl="0" marL="422275" indent="-422275" defTabSz="554990">
+          </a:p>
+          <a:p>
+            <a:pPr marL="422275" lvl="0" indent="-422275" defTabSz="554990">
               <a:spcBef>
                 <a:spcPts val="3900"/>
               </a:spcBef>
@@ -7122,10 +7165,9 @@
               <a:rPr sz="3420"/>
               <a:t>Organizing the services – registry &amp; repository</a:t>
             </a:r>
-            <a:endParaRPr sz="3420"/>
-          </a:p>
-          <a:p>
-            <a:pPr lvl="0" marL="422275" indent="-422275" defTabSz="554990">
+          </a:p>
+          <a:p>
+            <a:pPr marL="422275" lvl="0" indent="-422275" defTabSz="554990">
               <a:spcBef>
                 <a:spcPts val="3900"/>
               </a:spcBef>
@@ -7135,10 +7177,9 @@
               <a:rPr sz="3420"/>
               <a:t>Optimization</a:t>
             </a:r>
-            <a:endParaRPr sz="3420"/>
-          </a:p>
-          <a:p>
-            <a:pPr lvl="0" marL="422275" indent="-422275" defTabSz="554990">
+          </a:p>
+          <a:p>
+            <a:pPr marL="422275" lvl="0" indent="-422275" defTabSz="554990">
               <a:spcBef>
                 <a:spcPts val="3900"/>
               </a:spcBef>
@@ -7148,10 +7189,9 @@
               <a:rPr sz="3420"/>
               <a:t>Performance - XML brings robustness not speed</a:t>
             </a:r>
-            <a:endParaRPr sz="3420"/>
-          </a:p>
-          <a:p>
-            <a:pPr lvl="0" marL="422275" indent="-422275" defTabSz="554990">
+          </a:p>
+          <a:p>
+            <a:pPr marL="422275" lvl="0" indent="-422275" defTabSz="554990">
               <a:spcBef>
                 <a:spcPts val="3900"/>
               </a:spcBef>
@@ -7169,12 +7209,12 @@
   <p:clrMapOvr>
     <a:masterClrMapping/>
   </p:clrMapOvr>
-  <p:transition spd="med" advClick="1"/>
+  <p:transition xmlns:p14="http://schemas.microsoft.com/office/powerpoint/2010/main" spd="med"/>
 </p:sld>
 </file>
 
 <file path=ppt/slides/slide24.xml><?xml version="1.0" encoding="utf-8"?>
-<p:sld xmlns:a="http://schemas.openxmlformats.org/drawingml/2006/main" xmlns:r="http://schemas.openxmlformats.org/officeDocument/2006/relationships" xmlns:p="http://schemas.openxmlformats.org/presentationml/2006/main" showMasterSp="1" showMasterPhAnim="1">
+<p:sld xmlns:a="http://schemas.openxmlformats.org/drawingml/2006/main" xmlns:r="http://schemas.openxmlformats.org/officeDocument/2006/relationships" xmlns:p="http://schemas.openxmlformats.org/presentationml/2006/main">
   <p:cSld>
     <p:spTree>
       <p:nvGrpSpPr>
@@ -7193,7 +7233,9 @@
       <p:sp>
         <p:nvSpPr>
           <p:cNvPr id="177" name="Shape 177"/>
-          <p:cNvSpPr/>
+          <p:cNvSpPr>
+            <a:spLocks noGrp="1"/>
+          </p:cNvSpPr>
           <p:nvPr>
             <p:ph type="title"/>
           </p:nvPr>
@@ -7220,7 +7262,9 @@
       <p:sp>
         <p:nvSpPr>
           <p:cNvPr id="178" name="Shape 178"/>
-          <p:cNvSpPr/>
+          <p:cNvSpPr>
+            <a:spLocks noGrp="1"/>
+          </p:cNvSpPr>
           <p:nvPr>
             <p:ph type="body" idx="1"/>
           </p:nvPr>
@@ -7231,101 +7275,115 @@
           </a:prstGeom>
         </p:spPr>
         <p:txBody>
-          <a:bodyPr/>
+          <a:bodyPr>
+            <a:normAutofit lnSpcReduction="10000"/>
+          </a:bodyPr>
           <a:lstStyle/>
           <a:p>
-            <a:pPr lvl="0" marL="360045" indent="-360045" defTabSz="473201">
+            <a:pPr marL="360045" lvl="0" indent="-360045" defTabSz="473201">
               <a:spcBef>
                 <a:spcPts val="3400"/>
               </a:spcBef>
               <a:defRPr sz="1800"/>
             </a:pPr>
             <a:r>
-              <a:rPr sz="2916"/>
+              <a:rPr sz="2916" dirty="0"/>
               <a:t>Web Service</a:t>
             </a:r>
-            <a:endParaRPr sz="2916"/>
-          </a:p>
-          <a:p>
-            <a:pPr lvl="1" marL="720090" indent="-360045" defTabSz="473201">
+          </a:p>
+          <a:p>
+            <a:pPr marL="720090" lvl="1" indent="-360045" defTabSz="473201">
               <a:spcBef>
                 <a:spcPts val="3400"/>
               </a:spcBef>
               <a:defRPr sz="1800"/>
             </a:pPr>
             <a:r>
-              <a:rPr sz="2916"/>
+              <a:rPr sz="2916" dirty="0"/>
               <a:t>Available, interoperable, self-contained, modular, distributed, dynamic,  of open protocols and standards</a:t>
             </a:r>
-            <a:endParaRPr sz="2916">
+            <a:endParaRPr sz="2916" dirty="0">
               <a:solidFill>
                 <a:srgbClr val="C82506"/>
               </a:solidFill>
             </a:endParaRPr>
           </a:p>
           <a:p>
-            <a:pPr lvl="0" marL="360045" indent="-360045" defTabSz="473201">
+            <a:pPr marL="360045" lvl="0" indent="-360045" defTabSz="473201">
               <a:spcBef>
                 <a:spcPts val="3400"/>
               </a:spcBef>
               <a:defRPr sz="1800"/>
             </a:pPr>
             <a:r>
-              <a:rPr sz="2916"/>
+              <a:rPr sz="2916" dirty="0"/>
               <a:t>Web Service Techniques</a:t>
             </a:r>
-            <a:endParaRPr sz="2916"/>
-          </a:p>
-          <a:p>
-            <a:pPr lvl="1" marL="720090" indent="-360045" defTabSz="473201">
+          </a:p>
+          <a:p>
+            <a:pPr marL="720090" lvl="1" indent="-360045" defTabSz="473201">
               <a:spcBef>
                 <a:spcPts val="3400"/>
               </a:spcBef>
               <a:defRPr sz="1800"/>
             </a:pPr>
             <a:r>
-              <a:rPr sz="2916"/>
+              <a:rPr sz="2916" dirty="0"/>
               <a:t>SOAP, WSDL, UDDI </a:t>
             </a:r>
-            <a:endParaRPr sz="2916"/>
-          </a:p>
-          <a:p>
-            <a:pPr lvl="0" marL="360045" indent="-360045" defTabSz="473201">
+          </a:p>
+          <a:p>
+            <a:pPr marL="360045" lvl="0" indent="-360045" defTabSz="473201">
               <a:spcBef>
                 <a:spcPts val="3400"/>
               </a:spcBef>
               <a:defRPr sz="1800"/>
             </a:pPr>
             <a:r>
-              <a:rPr sz="2916"/>
+              <a:rPr sz="2916" dirty="0"/>
               <a:t>Service Oriented Architecture</a:t>
             </a:r>
-            <a:endParaRPr sz="2916"/>
-          </a:p>
-          <a:p>
-            <a:pPr lvl="1" marL="720090" indent="-360045" defTabSz="473201">
+          </a:p>
+          <a:p>
+            <a:pPr marL="720090" lvl="1" indent="-360045" defTabSz="473201">
               <a:spcBef>
                 <a:spcPts val="3400"/>
               </a:spcBef>
               <a:defRPr sz="1800"/>
             </a:pPr>
             <a:r>
-              <a:rPr sz="2916"/>
-              <a:t>Interoperable, loosely coupled, reusable,  scalable</a:t>
-            </a:r>
-            <a:endParaRPr sz="2916"/>
-          </a:p>
-          <a:p>
-            <a:pPr lvl="1" marL="720090" indent="-360045" defTabSz="473201">
+              <a:rPr lang="en-US" sz="3200" dirty="0" smtClean="0"/>
+              <a:t>Greater </a:t>
+            </a:r>
+            <a:r>
+              <a:rPr lang="en-US" sz="3200" dirty="0"/>
+              <a:t>added value that applications become more </a:t>
+            </a:r>
+            <a:r>
+              <a:rPr lang="en-US" sz="3200" dirty="0" smtClean="0"/>
+              <a:t>flexible</a:t>
+            </a:r>
+          </a:p>
+          <a:p>
+            <a:pPr marL="720090" lvl="1" indent="-360045" defTabSz="473201">
               <a:spcBef>
                 <a:spcPts val="3400"/>
               </a:spcBef>
               <a:defRPr sz="1800"/>
             </a:pPr>
             <a:r>
-              <a:rPr sz="2916"/>
-              <a:t>With challenges</a:t>
-            </a:r>
+              <a:rPr sz="2916" dirty="0" smtClean="0"/>
+              <a:t>Interoperable</a:t>
+            </a:r>
+            <a:r>
+              <a:rPr sz="2916" dirty="0"/>
+              <a:t>, loosely coupled, reusable,  </a:t>
+            </a:r>
+            <a:r>
+              <a:rPr sz="2916" dirty="0" smtClean="0"/>
+              <a:t>scalable</a:t>
+            </a:r>
+            <a:endParaRPr sz="2916" dirty="0"/>
           </a:p>
         </p:txBody>
       </p:sp>
@@ -7334,12 +7392,12 @@
   <p:clrMapOvr>
     <a:masterClrMapping/>
   </p:clrMapOvr>
-  <p:transition spd="med" advClick="1"/>
+  <p:transition xmlns:p14="http://schemas.microsoft.com/office/powerpoint/2010/main" spd="med"/>
 </p:sld>
 </file>
 
 <file path=ppt/slides/slide25.xml><?xml version="1.0" encoding="utf-8"?>
-<p:sld xmlns:a="http://schemas.openxmlformats.org/drawingml/2006/main" xmlns:r="http://schemas.openxmlformats.org/officeDocument/2006/relationships" xmlns:p="http://schemas.openxmlformats.org/presentationml/2006/main" showMasterSp="1" showMasterPhAnim="1">
+<p:sld xmlns:a="http://schemas.openxmlformats.org/drawingml/2006/main" xmlns:r="http://schemas.openxmlformats.org/officeDocument/2006/relationships" xmlns:p="http://schemas.openxmlformats.org/presentationml/2006/main">
   <p:cSld>
     <p:spTree>
       <p:nvGrpSpPr>
@@ -7358,7 +7416,9 @@
       <p:sp>
         <p:nvSpPr>
           <p:cNvPr id="180" name="Shape 180"/>
-          <p:cNvSpPr/>
+          <p:cNvSpPr>
+            <a:spLocks noGrp="1"/>
+          </p:cNvSpPr>
           <p:nvPr>
             <p:ph type="title"/>
           </p:nvPr>
@@ -7385,7 +7445,9 @@
       <p:sp>
         <p:nvSpPr>
           <p:cNvPr id="181" name="Shape 181"/>
-          <p:cNvSpPr/>
+          <p:cNvSpPr>
+            <a:spLocks noGrp="1"/>
+          </p:cNvSpPr>
           <p:nvPr>
             <p:ph type="body" idx="1"/>
           </p:nvPr>
@@ -7399,7 +7461,7 @@
           <a:bodyPr/>
           <a:lstStyle/>
           <a:p>
-            <a:pPr lvl="0" marL="213359" indent="-213359" defTabSz="280415">
+            <a:pPr marL="213359" lvl="0" indent="-213359" defTabSz="280415">
               <a:spcBef>
                 <a:spcPts val="2000"/>
               </a:spcBef>
@@ -7409,10 +7471,9 @@
               <a:rPr sz="1727"/>
               <a:t>Wikipedia: http://en.wikipedia.org/wiki/Web_Services_Description_Language</a:t>
             </a:r>
-            <a:endParaRPr sz="1727"/>
-          </a:p>
-          <a:p>
-            <a:pPr lvl="0" marL="213359" indent="-213359" defTabSz="280415">
+          </a:p>
+          <a:p>
+            <a:pPr marL="213359" lvl="0" indent="-213359" defTabSz="280415">
               <a:spcBef>
                 <a:spcPts val="2000"/>
               </a:spcBef>
@@ -7422,10 +7483,9 @@
               <a:rPr sz="1727"/>
               <a:t>Wikipedia: http://en.wikipedia.org/wiki/SOAP_(protocol)</a:t>
             </a:r>
-            <a:endParaRPr sz="1727"/>
-          </a:p>
-          <a:p>
-            <a:pPr lvl="0" marL="213359" indent="-213359" defTabSz="280415">
+          </a:p>
+          <a:p>
+            <a:pPr marL="213359" lvl="0" indent="-213359" defTabSz="280415">
               <a:spcBef>
                 <a:spcPts val="2000"/>
               </a:spcBef>
@@ -7435,10 +7495,9 @@
               <a:rPr sz="1727"/>
               <a:t>Wikipedia: http://en.wikipedia.org/wiki/Web_service</a:t>
             </a:r>
-            <a:endParaRPr sz="1727"/>
-          </a:p>
-          <a:p>
-            <a:pPr lvl="0" marL="213359" indent="-213359" defTabSz="280415">
+          </a:p>
+          <a:p>
+            <a:pPr marL="213359" lvl="0" indent="-213359" defTabSz="280415">
               <a:spcBef>
                 <a:spcPts val="2000"/>
               </a:spcBef>
@@ -7448,10 +7507,9 @@
               <a:rPr sz="1727"/>
               <a:t>Wikipedia: http://en.wikipedia.org/wiki/XML-RPC</a:t>
             </a:r>
-            <a:endParaRPr sz="1727"/>
-          </a:p>
-          <a:p>
-            <a:pPr lvl="0" marL="213359" indent="-213359" defTabSz="280415">
+          </a:p>
+          <a:p>
+            <a:pPr marL="213359" lvl="0" indent="-213359" defTabSz="280415">
               <a:spcBef>
                 <a:spcPts val="2000"/>
               </a:spcBef>
@@ -7461,10 +7519,9 @@
               <a:rPr sz="1727"/>
               <a:t>Wikipedia: http://en.wikipedia.org/wiki/Service-oriented_architecture </a:t>
             </a:r>
-            <a:endParaRPr sz="1727"/>
-          </a:p>
-          <a:p>
-            <a:pPr lvl="0" marL="213359" indent="-213359" defTabSz="280415">
+          </a:p>
+          <a:p>
+            <a:pPr marL="213359" lvl="0" indent="-213359" defTabSz="280415">
               <a:spcBef>
                 <a:spcPts val="2000"/>
               </a:spcBef>
@@ -7474,10 +7531,9 @@
               <a:rPr sz="1727"/>
               <a:t>Web Services Conceptual Architecture (WSCA 1.0) May 2001. By Heather Kreger IBM Software Group.</a:t>
             </a:r>
-            <a:endParaRPr sz="1727"/>
-          </a:p>
-          <a:p>
-            <a:pPr lvl="0" marL="213359" indent="-213359" defTabSz="280415">
+          </a:p>
+          <a:p>
+            <a:pPr marL="213359" lvl="0" indent="-213359" defTabSz="280415">
               <a:spcBef>
                 <a:spcPts val="2000"/>
               </a:spcBef>
@@ -7487,10 +7543,9 @@
               <a:rPr sz="1727"/>
               <a:t>Web Services Technologies : State of the Art. Albreshne, Abdaldhem; Fuhrer, Patrik; Pasquier, Jacques. September 2009.</a:t>
             </a:r>
-            <a:endParaRPr sz="1727"/>
-          </a:p>
-          <a:p>
-            <a:pPr lvl="0" marL="213359" indent="-213359" defTabSz="280415">
+          </a:p>
+          <a:p>
+            <a:pPr marL="213359" lvl="0" indent="-213359" defTabSz="280415">
               <a:spcBef>
                 <a:spcPts val="2000"/>
               </a:spcBef>
@@ -7500,10 +7555,9 @@
               <a:rPr sz="1727"/>
               <a:t>Web Services Technologies XML and SOAP WSDL and UDDI Version 16, Object Management Group,  http://www.omg.org/news/meetings/workshops/MDA-SOA-WS_Manual/00-T1_Newcomer/CH2-WSTechnologies_V16-Standard.pdf </a:t>
             </a:r>
-            <a:endParaRPr sz="1727"/>
-          </a:p>
-          <a:p>
-            <a:pPr lvl="0" marL="213359" indent="-213359" defTabSz="280415">
+          </a:p>
+          <a:p>
+            <a:pPr marL="213359" lvl="0" indent="-213359" defTabSz="280415">
               <a:spcBef>
                 <a:spcPts val="2000"/>
               </a:spcBef>
@@ -7513,10 +7567,9 @@
               <a:rPr sz="1727"/>
               <a:t>Understanding WSDL in a UDDI registry, http://www.ibm.com/developerworks/library/ws-wsdl/</a:t>
             </a:r>
-            <a:endParaRPr sz="1727"/>
-          </a:p>
-          <a:p>
-            <a:pPr lvl="0" marL="213359" indent="-213359" defTabSz="280415">
+          </a:p>
+          <a:p>
+            <a:pPr marL="213359" lvl="0" indent="-213359" defTabSz="280415">
               <a:spcBef>
                 <a:spcPts val="2000"/>
               </a:spcBef>
@@ -7528,7 +7581,7 @@
             </a:r>
             <a:r>
               <a:rPr sz="1727" u="sng">
-                <a:hlinkClick r:id="rId2" invalidUrl="" action="" tgtFrame="" tooltip="" history="1" highlightClick="0" endSnd="0"/>
+                <a:hlinkClick r:id="rId2"/>
               </a:rPr>
               <a:t>http://download.microsoft.com/download/e/9/d/e9d163db-5c96-46bc-9263-aac62fc38831/Service%20Oriented%20Architecture.pdf</a:t>
             </a:r>
@@ -7540,12 +7593,12 @@
   <p:clrMapOvr>
     <a:masterClrMapping/>
   </p:clrMapOvr>
-  <p:transition spd="med" advClick="1"/>
+  <p:transition xmlns:p14="http://schemas.microsoft.com/office/powerpoint/2010/main" spd="med"/>
 </p:sld>
 </file>
 
 <file path=ppt/slides/slide3.xml><?xml version="1.0" encoding="utf-8"?>
-<p:sld xmlns:a="http://schemas.openxmlformats.org/drawingml/2006/main" xmlns:r="http://schemas.openxmlformats.org/officeDocument/2006/relationships" xmlns:p="http://schemas.openxmlformats.org/presentationml/2006/main" showMasterSp="1" showMasterPhAnim="1">
+<p:sld xmlns:a="http://schemas.openxmlformats.org/drawingml/2006/main" xmlns:r="http://schemas.openxmlformats.org/officeDocument/2006/relationships" xmlns:p="http://schemas.openxmlformats.org/presentationml/2006/main">
   <p:cSld>
     <p:spTree>
       <p:nvGrpSpPr>
@@ -7564,7 +7617,9 @@
       <p:sp>
         <p:nvSpPr>
           <p:cNvPr id="38" name="Shape 38"/>
-          <p:cNvSpPr/>
+          <p:cNvSpPr>
+            <a:spLocks noGrp="1"/>
+          </p:cNvSpPr>
           <p:nvPr>
             <p:ph type="title"/>
           </p:nvPr>
@@ -7591,7 +7646,9 @@
       <p:sp>
         <p:nvSpPr>
           <p:cNvPr id="39" name="Shape 39"/>
-          <p:cNvSpPr/>
+          <p:cNvSpPr>
+            <a:spLocks noGrp="1"/>
+          </p:cNvSpPr>
           <p:nvPr>
             <p:ph type="body" idx="1"/>
           </p:nvPr>
@@ -7605,7 +7662,7 @@
           <a:bodyPr/>
           <a:lstStyle/>
           <a:p>
-            <a:pPr lvl="0" marL="400050" indent="-400050" defTabSz="525779">
+            <a:pPr marL="400050" lvl="0" indent="-400050" defTabSz="525779">
               <a:spcBef>
                 <a:spcPts val="3700"/>
               </a:spcBef>
@@ -7615,10 +7672,9 @@
               <a:rPr sz="3239"/>
               <a:t>Motivation</a:t>
             </a:r>
-            <a:endParaRPr sz="3239"/>
-          </a:p>
-          <a:p>
-            <a:pPr lvl="1" marL="800100" indent="-400050" defTabSz="525779">
+          </a:p>
+          <a:p>
+            <a:pPr marL="800100" lvl="1" indent="-400050" defTabSz="525779">
               <a:spcBef>
                 <a:spcPts val="3700"/>
               </a:spcBef>
@@ -7648,10 +7704,9 @@
               <a:rPr sz="3239"/>
               <a:t> between various components in a system.</a:t>
             </a:r>
-            <a:endParaRPr sz="3239"/>
-          </a:p>
-          <a:p>
-            <a:pPr lvl="1" marL="800100" indent="-400050" defTabSz="525779">
+          </a:p>
+          <a:p>
+            <a:pPr marL="800100" lvl="1" indent="-400050" defTabSz="525779">
               <a:spcBef>
                 <a:spcPts val="3700"/>
               </a:spcBef>
@@ -7685,10 +7740,9 @@
               <a:rPr sz="3239"/>
               <a:t> context among business systems from different organizations needed.</a:t>
             </a:r>
-            <a:endParaRPr sz="3239"/>
-          </a:p>
-          <a:p>
-            <a:pPr lvl="1" marL="800100" indent="-400050" defTabSz="525779">
+          </a:p>
+          <a:p>
+            <a:pPr marL="800100" lvl="1" indent="-400050" defTabSz="525779">
               <a:spcBef>
                 <a:spcPts val="3700"/>
               </a:spcBef>
@@ -7706,12 +7760,12 @@
   <p:clrMapOvr>
     <a:masterClrMapping/>
   </p:clrMapOvr>
-  <p:transition spd="med" advClick="1"/>
+  <p:transition xmlns:p14="http://schemas.microsoft.com/office/powerpoint/2010/main" spd="med"/>
 </p:sld>
 </file>
 
 <file path=ppt/slides/slide4.xml><?xml version="1.0" encoding="utf-8"?>
-<p:sld xmlns:a="http://schemas.openxmlformats.org/drawingml/2006/main" xmlns:r="http://schemas.openxmlformats.org/officeDocument/2006/relationships" xmlns:p="http://schemas.openxmlformats.org/presentationml/2006/main" showMasterSp="1" showMasterPhAnim="1">
+<p:sld xmlns:a="http://schemas.openxmlformats.org/drawingml/2006/main" xmlns:r="http://schemas.openxmlformats.org/officeDocument/2006/relationships" xmlns:p="http://schemas.openxmlformats.org/presentationml/2006/main">
   <p:cSld>
     <p:spTree>
       <p:nvGrpSpPr>
@@ -7730,7 +7784,9 @@
       <p:sp>
         <p:nvSpPr>
           <p:cNvPr id="41" name="Shape 41"/>
-          <p:cNvSpPr/>
+          <p:cNvSpPr>
+            <a:spLocks noGrp="1"/>
+          </p:cNvSpPr>
           <p:nvPr>
             <p:ph type="title"/>
           </p:nvPr>
@@ -7757,7 +7813,9 @@
       <p:sp>
         <p:nvSpPr>
           <p:cNvPr id="42" name="Shape 42"/>
-          <p:cNvSpPr/>
+          <p:cNvSpPr>
+            <a:spLocks noGrp="1"/>
+          </p:cNvSpPr>
           <p:nvPr>
             <p:ph type="body" idx="1"/>
           </p:nvPr>
@@ -7771,7 +7829,7 @@
           <a:bodyPr/>
           <a:lstStyle/>
           <a:p>
-            <a:pPr lvl="0" marL="315594" indent="-315594" defTabSz="414781">
+            <a:pPr marL="315594" lvl="0" indent="-315594" defTabSz="414781">
               <a:spcBef>
                 <a:spcPts val="2900"/>
               </a:spcBef>
@@ -7781,10 +7839,9 @@
               <a:rPr sz="2556"/>
               <a:t>Concept </a:t>
             </a:r>
-            <a:endParaRPr sz="2556"/>
-          </a:p>
-          <a:p>
-            <a:pPr lvl="1" marL="631189" indent="-315594" defTabSz="414781">
+          </a:p>
+          <a:p>
+            <a:pPr marL="631189" lvl="1" indent="-315594" defTabSz="414781">
               <a:spcBef>
                 <a:spcPts val="2900"/>
               </a:spcBef>
@@ -7806,10 +7863,9 @@
               <a:rPr sz="2556"/>
               <a:t> over the internet and uses a standardized XML messaging system.</a:t>
             </a:r>
-            <a:endParaRPr sz="2556"/>
-          </a:p>
-          <a:p>
-            <a:pPr lvl="1" marL="631189" indent="-315594" defTabSz="414781">
+          </a:p>
+          <a:p>
+            <a:pPr marL="631189" lvl="1" indent="-315594" defTabSz="414781">
               <a:spcBef>
                 <a:spcPts val="2900"/>
               </a:spcBef>
@@ -7831,10 +7887,9 @@
               <a:rPr sz="2556"/>
               <a:t> machine-to-machine interaction over a network (W3C).</a:t>
             </a:r>
-            <a:endParaRPr sz="2556"/>
-          </a:p>
-          <a:p>
-            <a:pPr lvl="1" marL="631189" indent="-315594" defTabSz="414781">
+          </a:p>
+          <a:p>
+            <a:pPr marL="631189" lvl="1" indent="-315594" defTabSz="414781">
               <a:spcBef>
                 <a:spcPts val="2900"/>
               </a:spcBef>
@@ -7854,20 +7909,11 @@
             </a:r>
             <a:r>
               <a:rPr sz="2556"/>
-              <a:t>applications that can be described, published, located, or invoked over the network to </a:t>
-            </a:r>
-            <a:r>
-              <a:rPr sz="2556"/>
-              <a:t>create</a:t>
-            </a:r>
-            <a:r>
-              <a:rPr sz="2556"/>
-              <a:t> products, processes, and supply chains (IBM).</a:t>
-            </a:r>
-            <a:endParaRPr sz="2556"/>
-          </a:p>
-          <a:p>
-            <a:pPr lvl="1" marL="631189" indent="-315594" defTabSz="414781">
+              <a:t>applications that can be described, published, located, or invoked over the network to create products, processes, and supply chains (IBM).</a:t>
+            </a:r>
+          </a:p>
+          <a:p>
+            <a:pPr marL="631189" lvl="1" indent="-315594" defTabSz="414781">
               <a:spcBef>
                 <a:spcPts val="2900"/>
               </a:spcBef>
@@ -7921,12 +7967,12 @@
   <p:clrMapOvr>
     <a:masterClrMapping/>
   </p:clrMapOvr>
-  <p:transition spd="med" advClick="1"/>
+  <p:transition xmlns:p14="http://schemas.microsoft.com/office/powerpoint/2010/main" spd="med"/>
 </p:sld>
 </file>
 
 <file path=ppt/slides/slide5.xml><?xml version="1.0" encoding="utf-8"?>
-<p:sld xmlns:a="http://schemas.openxmlformats.org/drawingml/2006/main" xmlns:r="http://schemas.openxmlformats.org/officeDocument/2006/relationships" xmlns:p="http://schemas.openxmlformats.org/presentationml/2006/main" showMasterSp="1" showMasterPhAnim="1">
+<p:sld xmlns:a="http://schemas.openxmlformats.org/drawingml/2006/main" xmlns:r="http://schemas.openxmlformats.org/officeDocument/2006/relationships" xmlns:p="http://schemas.openxmlformats.org/presentationml/2006/main">
   <p:cSld>
     <p:spTree>
       <p:nvGrpSpPr>
@@ -7945,7 +7991,9 @@
       <p:sp>
         <p:nvSpPr>
           <p:cNvPr id="44" name="Shape 44"/>
-          <p:cNvSpPr/>
+          <p:cNvSpPr>
+            <a:spLocks noGrp="1"/>
+          </p:cNvSpPr>
           <p:nvPr>
             <p:ph type="title"/>
           </p:nvPr>
@@ -7977,7 +8025,9 @@
       <p:sp>
         <p:nvSpPr>
           <p:cNvPr id="45" name="Shape 45"/>
-          <p:cNvSpPr/>
+          <p:cNvSpPr>
+            <a:spLocks noGrp="1"/>
+          </p:cNvSpPr>
           <p:nvPr>
             <p:ph type="body" idx="1"/>
           </p:nvPr>
@@ -7991,22 +8041,22 @@
           <a:bodyPr/>
           <a:lstStyle/>
           <a:p>
-            <a:pPr lvl="0" marL="337820" indent="-337820" defTabSz="443991">
+            <a:pPr marL="337820" lvl="0" indent="-337820" defTabSz="443991">
               <a:spcBef>
                 <a:spcPts val="3100"/>
               </a:spcBef>
               <a:defRPr sz="1800"/>
             </a:pPr>
             <a:r>
-              <a:rPr b="1" sz="2736"/>
+              <a:rPr sz="2736" b="1" dirty="0"/>
               <a:t>Client-Server Architecture</a:t>
             </a:r>
             <a:r>
-              <a:rPr sz="2736"/>
+              <a:rPr sz="2736" dirty="0"/>
               <a:t>: composed by multiple </a:t>
             </a:r>
             <a:r>
-              <a:rPr sz="2736">
+              <a:rPr sz="2736" dirty="0">
                 <a:solidFill>
                   <a:srgbClr val="C82506"/>
                 </a:solidFill>
@@ -8014,11 +8064,11 @@
               <a:t>fat clients</a:t>
             </a:r>
             <a:r>
-              <a:rPr sz="2736"/>
+              <a:rPr sz="2736" dirty="0"/>
               <a:t> where each of them needed to connect to a </a:t>
             </a:r>
             <a:r>
-              <a:rPr sz="2736">
+              <a:rPr sz="2736" dirty="0">
                 <a:solidFill>
                   <a:srgbClr val="C82506"/>
                 </a:solidFill>
@@ -8026,28 +8076,27 @@
               <a:t>central server</a:t>
             </a:r>
             <a:r>
-              <a:rPr sz="2736"/>
+              <a:rPr sz="2736" dirty="0"/>
               <a:t>.</a:t>
             </a:r>
-            <a:endParaRPr sz="2736"/>
-          </a:p>
-          <a:p>
-            <a:pPr lvl="0" marL="337820" indent="-337820" defTabSz="443991">
+          </a:p>
+          <a:p>
+            <a:pPr marL="337820" lvl="0" indent="-337820" defTabSz="443991">
               <a:spcBef>
                 <a:spcPts val="3100"/>
               </a:spcBef>
               <a:defRPr sz="1800"/>
             </a:pPr>
             <a:r>
-              <a:rPr b="1" sz="2736"/>
+              <a:rPr sz="2736" b="1" dirty="0"/>
               <a:t>Distributed Internet Architecture</a:t>
             </a:r>
             <a:r>
-              <a:rPr sz="2736"/>
+              <a:rPr sz="2736" dirty="0"/>
               <a:t>: multi-tier client-server applications divide the </a:t>
             </a:r>
             <a:r>
-              <a:rPr sz="2736">
+              <a:rPr sz="2736" dirty="0">
                 <a:solidFill>
                   <a:srgbClr val="C82506"/>
                 </a:solidFill>
@@ -8055,11 +8104,11 @@
               <a:t>monolithic client</a:t>
             </a:r>
             <a:r>
-              <a:rPr sz="2736"/>
+              <a:rPr sz="2736" dirty="0"/>
               <a:t> executable </a:t>
             </a:r>
             <a:r>
-              <a:rPr sz="2736">
+              <a:rPr sz="2736" dirty="0">
                 <a:solidFill>
                   <a:srgbClr val="C82506"/>
                 </a:solidFill>
@@ -8067,11 +8116,11 @@
               <a:t>into</a:t>
             </a:r>
             <a:r>
-              <a:rPr sz="2736"/>
+              <a:rPr sz="2736" dirty="0"/>
               <a:t> </a:t>
             </a:r>
             <a:r>
-              <a:rPr sz="2736">
+              <a:rPr sz="2736" dirty="0">
                 <a:solidFill>
                   <a:srgbClr val="C82506"/>
                 </a:solidFill>
@@ -8079,61 +8128,61 @@
               <a:t>components</a:t>
             </a:r>
             <a:r>
-              <a:rPr sz="2736"/>
+              <a:rPr sz="2736" dirty="0"/>
               <a:t> designed to different degrees of compliance </a:t>
             </a:r>
             <a:r>
-              <a:rPr sz="2736">
+              <a:rPr sz="2736" dirty="0">
                 <a:solidFill>
                   <a:srgbClr val="C82506"/>
                 </a:solidFill>
               </a:rPr>
               <a:t>with object orientation</a:t>
             </a:r>
-            <a:endParaRPr sz="2736"/>
-          </a:p>
-          <a:p>
-            <a:pPr lvl="0" marL="337820" indent="-337820" defTabSz="443991">
+            <a:endParaRPr sz="2736" dirty="0"/>
+          </a:p>
+          <a:p>
+            <a:pPr marL="337820" lvl="0" indent="-337820" defTabSz="443991">
               <a:spcBef>
                 <a:spcPts val="3100"/>
               </a:spcBef>
               <a:defRPr sz="1800"/>
             </a:pPr>
             <a:r>
-              <a:rPr b="1" sz="2736"/>
+              <a:rPr sz="2736" b="1" dirty="0"/>
               <a:t>Web Services Architecture</a:t>
             </a:r>
             <a:r>
-              <a:rPr sz="2736"/>
+              <a:rPr sz="2736" dirty="0"/>
               <a:t>: transformation from object-oriented systems toward systems of services can be observed, which contain </a:t>
             </a:r>
             <a:r>
-              <a:rPr sz="2736">
+              <a:rPr sz="2736" dirty="0">
                 <a:solidFill>
                   <a:srgbClr val="C82506"/>
                 </a:solidFill>
               </a:rPr>
               <a:t>behavior and messages</a:t>
             </a:r>
-            <a:endParaRPr sz="2736"/>
-          </a:p>
-          <a:p>
-            <a:pPr lvl="0" marL="337820" indent="-337820" defTabSz="443991">
+            <a:endParaRPr sz="2736" dirty="0"/>
+          </a:p>
+          <a:p>
+            <a:pPr marL="337820" lvl="0" indent="-337820" defTabSz="443991">
               <a:spcBef>
                 <a:spcPts val="3100"/>
               </a:spcBef>
               <a:defRPr sz="1800"/>
             </a:pPr>
             <a:r>
-              <a:rPr b="1" sz="2736"/>
+              <a:rPr sz="2736" b="1" dirty="0"/>
               <a:t>Service-Oriented Architecture (SOA)</a:t>
             </a:r>
             <a:r>
-              <a:rPr sz="2736"/>
+              <a:rPr sz="2736" dirty="0"/>
               <a:t>: more complex composed services representing greater added value that applications become more flexible due to their ability to </a:t>
             </a:r>
             <a:r>
-              <a:rPr sz="2736">
+              <a:rPr sz="2736" dirty="0">
                 <a:solidFill>
                   <a:srgbClr val="C82506"/>
                 </a:solidFill>
@@ -8148,12 +8197,12 @@
   <p:clrMapOvr>
     <a:masterClrMapping/>
   </p:clrMapOvr>
-  <p:transition spd="med" advClick="1"/>
+  <p:transition xmlns:p14="http://schemas.microsoft.com/office/powerpoint/2010/main" spd="med"/>
 </p:sld>
 </file>
 
 <file path=ppt/slides/slide6.xml><?xml version="1.0" encoding="utf-8"?>
-<p:sld xmlns:a="http://schemas.openxmlformats.org/drawingml/2006/main" xmlns:r="http://schemas.openxmlformats.org/officeDocument/2006/relationships" xmlns:p="http://schemas.openxmlformats.org/presentationml/2006/main" showMasterSp="1" showMasterPhAnim="1">
+<p:sld xmlns:a="http://schemas.openxmlformats.org/drawingml/2006/main" xmlns:r="http://schemas.openxmlformats.org/officeDocument/2006/relationships" xmlns:p="http://schemas.openxmlformats.org/presentationml/2006/main">
   <p:cSld>
     <p:spTree>
       <p:nvGrpSpPr>
@@ -8172,7 +8221,9 @@
       <p:sp>
         <p:nvSpPr>
           <p:cNvPr id="47" name="Shape 47"/>
-          <p:cNvSpPr/>
+          <p:cNvSpPr>
+            <a:spLocks noGrp="1"/>
+          </p:cNvSpPr>
           <p:nvPr>
             <p:ph type="title"/>
           </p:nvPr>
@@ -8199,7 +8250,9 @@
       <p:sp>
         <p:nvSpPr>
           <p:cNvPr id="48" name="Shape 48"/>
-          <p:cNvSpPr/>
+          <p:cNvSpPr>
+            <a:spLocks noGrp="1"/>
+          </p:cNvSpPr>
           <p:nvPr>
             <p:ph type="body" idx="1"/>
           </p:nvPr>
@@ -8244,7 +8297,7 @@
             <a:miter lim="400000"/>
           </a:ln>
           <a:effectLst>
-            <a:outerShdw sx="100000" sy="100000" kx="0" ky="0" algn="b" rotWithShape="0" blurRad="38100" dist="25400" dir="5400000">
+            <a:outerShdw blurRad="38100" dist="25400" dir="5400000" rotWithShape="0">
               <a:srgbClr val="000000">
                 <a:alpha val="50000"/>
               </a:srgbClr>
@@ -8309,7 +8362,7 @@
             <a:miter lim="400000"/>
           </a:ln>
           <a:effectLst>
-            <a:outerShdw sx="100000" sy="100000" kx="0" ky="0" algn="b" rotWithShape="0" blurRad="38100" dist="25400" dir="5400000">
+            <a:outerShdw blurRad="38100" dist="25400" dir="5400000" rotWithShape="0">
               <a:srgbClr val="000000">
                 <a:alpha val="50000"/>
               </a:srgbClr>
@@ -8374,7 +8427,7 @@
             <a:miter lim="400000"/>
           </a:ln>
           <a:effectLst>
-            <a:outerShdw sx="100000" sy="100000" kx="0" ky="0" algn="b" rotWithShape="0" blurRad="38100" dist="25400" dir="5400000">
+            <a:outerShdw blurRad="38100" dist="25400" dir="5400000" rotWithShape="0">
               <a:srgbClr val="000000">
                 <a:alpha val="50000"/>
               </a:srgbClr>
@@ -8439,7 +8492,7 @@
             <a:miter lim="400000"/>
           </a:ln>
           <a:effectLst>
-            <a:outerShdw sx="100000" sy="100000" kx="0" ky="0" algn="b" rotWithShape="0" blurRad="38100" dist="25400" dir="5400000">
+            <a:outerShdw blurRad="38100" dist="25400" dir="5400000" rotWithShape="0">
               <a:srgbClr val="000000">
                 <a:alpha val="50000"/>
               </a:srgbClr>
@@ -8504,7 +8557,7 @@
             <a:miter lim="400000"/>
           </a:ln>
           <a:effectLst>
-            <a:outerShdw sx="100000" sy="100000" kx="0" ky="0" algn="b" rotWithShape="0" blurRad="38100" dist="25400" dir="5400000">
+            <a:outerShdw blurRad="38100" dist="25400" dir="5400000" rotWithShape="0">
               <a:srgbClr val="000000">
                 <a:alpha val="50000"/>
               </a:srgbClr>
@@ -8569,7 +8622,7 @@
             <a:miter lim="400000"/>
           </a:ln>
           <a:effectLst>
-            <a:outerShdw sx="100000" sy="100000" kx="0" ky="0" algn="b" rotWithShape="0" blurRad="38100" dist="25400" dir="5400000">
+            <a:outerShdw blurRad="38100" dist="25400" dir="5400000" rotWithShape="0">
               <a:srgbClr val="000000">
                 <a:alpha val="50000"/>
               </a:srgbClr>
@@ -8645,12 +8698,12 @@
   <p:clrMapOvr>
     <a:masterClrMapping/>
   </p:clrMapOvr>
-  <p:transition spd="med" advClick="1"/>
+  <p:transition xmlns:p14="http://schemas.microsoft.com/office/powerpoint/2010/main" spd="med"/>
 </p:sld>
 </file>
 
 <file path=ppt/slides/slide7.xml><?xml version="1.0" encoding="utf-8"?>
-<p:sld xmlns:a="http://schemas.openxmlformats.org/drawingml/2006/main" xmlns:r="http://schemas.openxmlformats.org/officeDocument/2006/relationships" xmlns:p="http://schemas.openxmlformats.org/presentationml/2006/main" showMasterSp="1" showMasterPhAnim="1">
+<p:sld xmlns:a="http://schemas.openxmlformats.org/drawingml/2006/main" xmlns:r="http://schemas.openxmlformats.org/officeDocument/2006/relationships" xmlns:p="http://schemas.openxmlformats.org/presentationml/2006/main">
   <p:cSld>
     <p:spTree>
       <p:nvGrpSpPr>
@@ -8669,7 +8722,9 @@
       <p:sp>
         <p:nvSpPr>
           <p:cNvPr id="57" name="Shape 57"/>
-          <p:cNvSpPr/>
+          <p:cNvSpPr>
+            <a:spLocks noGrp="1"/>
+          </p:cNvSpPr>
           <p:nvPr>
             <p:ph type="title"/>
           </p:nvPr>
@@ -8700,7 +8755,9 @@
       <p:sp>
         <p:nvSpPr>
           <p:cNvPr id="58" name="Shape 58"/>
-          <p:cNvSpPr/>
+          <p:cNvSpPr>
+            <a:spLocks noGrp="1"/>
+          </p:cNvSpPr>
           <p:nvPr>
             <p:ph type="body" idx="1"/>
           </p:nvPr>
@@ -8714,20 +8771,19 @@
           <a:bodyPr/>
           <a:lstStyle/>
           <a:p>
-            <a:pPr lvl="0" marL="231139" indent="-231139" defTabSz="303783">
+            <a:pPr marL="231139" lvl="0" indent="-231139" defTabSz="303783">
               <a:spcBef>
                 <a:spcPts val="2100"/>
               </a:spcBef>
               <a:defRPr sz="1800"/>
             </a:pPr>
             <a:r>
-              <a:rPr b="1" sz="1871"/>
+              <a:rPr sz="1871" b="1"/>
               <a:t>Artifacts</a:t>
             </a:r>
-            <a:endParaRPr b="1" sz="1871"/>
-          </a:p>
-          <a:p>
-            <a:pPr lvl="1" marL="462279" indent="-231139" defTabSz="303783">
+          </a:p>
+          <a:p>
+            <a:pPr marL="462279" lvl="1" indent="-231139" defTabSz="303783">
               <a:spcBef>
                 <a:spcPts val="2100"/>
               </a:spcBef>
@@ -8737,10 +8793,9 @@
               <a:rPr sz="1871"/>
               <a:t>Services: implementation of an interface described by service description.</a:t>
             </a:r>
-            <a:endParaRPr sz="1871"/>
-          </a:p>
-          <a:p>
-            <a:pPr lvl="1" marL="462279" indent="-231139" defTabSz="303783">
+          </a:p>
+          <a:p>
+            <a:pPr marL="462279" lvl="1" indent="-231139" defTabSz="303783">
               <a:spcBef>
                 <a:spcPts val="2100"/>
               </a:spcBef>
@@ -8750,23 +8805,21 @@
               <a:rPr sz="1871"/>
               <a:t>Service Descriptions: including data types, operations, binding informations, and network location</a:t>
             </a:r>
-            <a:endParaRPr sz="1871"/>
-          </a:p>
-          <a:p>
-            <a:pPr lvl="0" marL="231139" indent="-231139" defTabSz="303783">
+          </a:p>
+          <a:p>
+            <a:pPr marL="231139" lvl="0" indent="-231139" defTabSz="303783">
               <a:spcBef>
                 <a:spcPts val="2100"/>
               </a:spcBef>
               <a:defRPr sz="1800"/>
             </a:pPr>
             <a:r>
-              <a:rPr b="1" sz="1871"/>
+              <a:rPr sz="1871" b="1"/>
               <a:t>Roles</a:t>
             </a:r>
-            <a:endParaRPr b="1" sz="1871"/>
-          </a:p>
-          <a:p>
-            <a:pPr lvl="1" marL="462279" indent="-231139" defTabSz="303783">
+          </a:p>
+          <a:p>
+            <a:pPr marL="462279" lvl="1" indent="-231139" defTabSz="303783">
               <a:spcBef>
                 <a:spcPts val="2100"/>
               </a:spcBef>
@@ -8776,10 +8829,9 @@
               <a:rPr sz="1871"/>
               <a:t>Service Provider:   owner of the services</a:t>
             </a:r>
-            <a:endParaRPr sz="1871"/>
-          </a:p>
-          <a:p>
-            <a:pPr lvl="1" marL="462279" indent="-231139" defTabSz="303783">
+          </a:p>
+          <a:p>
+            <a:pPr marL="462279" lvl="1" indent="-231139" defTabSz="303783">
               <a:spcBef>
                 <a:spcPts val="2100"/>
               </a:spcBef>
@@ -8789,10 +8841,9 @@
               <a:rPr sz="1871"/>
               <a:t>Service Requestor: business (user / program) that requires certain functions be satisfied. </a:t>
             </a:r>
-            <a:endParaRPr sz="1871"/>
-          </a:p>
-          <a:p>
-            <a:pPr lvl="1" marL="462279" indent="-231139" defTabSz="303783">
+          </a:p>
+          <a:p>
+            <a:pPr marL="462279" lvl="1" indent="-231139" defTabSz="303783">
               <a:spcBef>
                 <a:spcPts val="2100"/>
               </a:spcBef>
@@ -8802,23 +8853,21 @@
               <a:rPr sz="1871"/>
               <a:t>Service Broker/Registry: where provider publish service description (optional)</a:t>
             </a:r>
-            <a:endParaRPr sz="1871"/>
-          </a:p>
-          <a:p>
-            <a:pPr lvl="0" marL="231139" indent="-231139" defTabSz="303783">
+          </a:p>
+          <a:p>
+            <a:pPr marL="231139" lvl="0" indent="-231139" defTabSz="303783">
               <a:spcBef>
                 <a:spcPts val="2100"/>
               </a:spcBef>
               <a:defRPr sz="1800"/>
             </a:pPr>
             <a:r>
-              <a:rPr b="1" sz="1871"/>
+              <a:rPr sz="1871" b="1"/>
               <a:t>Operations</a:t>
             </a:r>
-            <a:endParaRPr b="1" sz="1871"/>
-          </a:p>
-          <a:p>
-            <a:pPr lvl="1" marL="462279" indent="-231139" defTabSz="303783">
+          </a:p>
+          <a:p>
+            <a:pPr marL="462279" lvl="1" indent="-231139" defTabSz="303783">
               <a:spcBef>
                 <a:spcPts val="2100"/>
               </a:spcBef>
@@ -8828,10 +8877,9 @@
               <a:rPr sz="1871"/>
               <a:t>Publish ( to be accessible and a service description needed)</a:t>
             </a:r>
-            <a:endParaRPr sz="1871"/>
-          </a:p>
-          <a:p>
-            <a:pPr lvl="1" marL="462279" indent="-231139" defTabSz="303783">
+          </a:p>
+          <a:p>
+            <a:pPr marL="462279" lvl="1" indent="-231139" defTabSz="303783">
               <a:spcBef>
                 <a:spcPts val="2100"/>
               </a:spcBef>
@@ -8841,10 +8889,9 @@
               <a:rPr sz="1871"/>
               <a:t>Discovery/Find (according to service description, interface description, location description)</a:t>
             </a:r>
-            <a:endParaRPr sz="1871"/>
-          </a:p>
-          <a:p>
-            <a:pPr lvl="1" marL="462279" indent="-231139" defTabSz="303783">
+          </a:p>
+          <a:p>
+            <a:pPr marL="462279" lvl="1" indent="-231139" defTabSz="303783">
               <a:spcBef>
                 <a:spcPts val="2100"/>
               </a:spcBef>
@@ -8862,12 +8909,12 @@
   <p:clrMapOvr>
     <a:masterClrMapping/>
   </p:clrMapOvr>
-  <p:transition spd="med" advClick="1"/>
+  <p:transition xmlns:p14="http://schemas.microsoft.com/office/powerpoint/2010/main" spd="med"/>
 </p:sld>
 </file>
 
 <file path=ppt/slides/slide8.xml><?xml version="1.0" encoding="utf-8"?>
-<p:sld xmlns:a="http://schemas.openxmlformats.org/drawingml/2006/main" xmlns:r="http://schemas.openxmlformats.org/officeDocument/2006/relationships" xmlns:p="http://schemas.openxmlformats.org/presentationml/2006/main" showMasterSp="1" showMasterPhAnim="1">
+<p:sld xmlns:a="http://schemas.openxmlformats.org/drawingml/2006/main" xmlns:r="http://schemas.openxmlformats.org/officeDocument/2006/relationships" xmlns:p="http://schemas.openxmlformats.org/presentationml/2006/main">
   <p:cSld>
     <p:spTree>
       <p:nvGrpSpPr>
@@ -8886,7 +8933,9 @@
       <p:sp>
         <p:nvSpPr>
           <p:cNvPr id="60" name="Shape 60"/>
-          <p:cNvSpPr/>
+          <p:cNvSpPr>
+            <a:spLocks noGrp="1"/>
+          </p:cNvSpPr>
           <p:nvPr>
             <p:ph type="title"/>
           </p:nvPr>
@@ -8897,7 +8946,9 @@
           </a:prstGeom>
         </p:spPr>
         <p:txBody>
-          <a:bodyPr/>
+          <a:bodyPr>
+            <a:normAutofit fontScale="90000"/>
+          </a:bodyPr>
           <a:lstStyle>
             <a:lvl1pPr defTabSz="572516">
               <a:defRPr sz="7840"/>
@@ -8917,7 +8968,9 @@
       <p:sp>
         <p:nvSpPr>
           <p:cNvPr id="61" name="Shape 61"/>
-          <p:cNvSpPr/>
+          <p:cNvSpPr>
+            <a:spLocks noGrp="1"/>
+          </p:cNvSpPr>
           <p:nvPr>
             <p:ph type="body" idx="1"/>
           </p:nvPr>
@@ -8931,7 +8984,7 @@
           <a:bodyPr/>
           <a:lstStyle/>
           <a:p>
-            <a:pPr lvl="0" marL="315594" indent="-315594" defTabSz="414781">
+            <a:pPr marL="315594" lvl="0" indent="-315594" defTabSz="414781">
               <a:spcBef>
                 <a:spcPts val="2900"/>
               </a:spcBef>
@@ -8941,10 +8994,9 @@
               <a:rPr sz="2556"/>
               <a:t>The web services description language (WSDL)</a:t>
             </a:r>
-            <a:endParaRPr sz="2556"/>
-          </a:p>
-          <a:p>
-            <a:pPr lvl="1" marL="631189" indent="-315594" defTabSz="414781">
+          </a:p>
+          <a:p>
+            <a:pPr marL="631189" lvl="1" indent="-315594" defTabSz="414781">
               <a:spcBef>
                 <a:spcPts val="2900"/>
               </a:spcBef>
@@ -8966,10 +9018,9 @@
               <a:rPr sz="2556"/>
               <a:t> (IDL) used in distributed programming</a:t>
             </a:r>
-            <a:endParaRPr sz="2556"/>
-          </a:p>
-          <a:p>
-            <a:pPr lvl="0" marL="315594" indent="-315594" defTabSz="414781">
+          </a:p>
+          <a:p>
+            <a:pPr marL="315594" lvl="0" indent="-315594" defTabSz="414781">
               <a:spcBef>
                 <a:spcPts val="2900"/>
               </a:spcBef>
@@ -8979,10 +9030,9 @@
               <a:rPr sz="2556"/>
               <a:t>The simple object access protocol (SOAP)</a:t>
             </a:r>
-            <a:endParaRPr sz="2556"/>
-          </a:p>
-          <a:p>
-            <a:pPr lvl="1" marL="631189" indent="-315594" defTabSz="414781">
+          </a:p>
+          <a:p>
+            <a:pPr marL="631189" lvl="1" indent="-315594" defTabSz="414781">
               <a:spcBef>
                 <a:spcPts val="2900"/>
               </a:spcBef>
@@ -9004,10 +9054,9 @@
               <a:rPr sz="2556"/>
               <a:t> over the Internet. It is independent of the programming language, object model, operating system and platform.</a:t>
             </a:r>
-            <a:endParaRPr sz="2556"/>
-          </a:p>
-          <a:p>
-            <a:pPr lvl="0" marL="315594" indent="-315594" defTabSz="414781">
+          </a:p>
+          <a:p>
+            <a:pPr marL="315594" lvl="0" indent="-315594" defTabSz="414781">
               <a:spcBef>
                 <a:spcPts val="2900"/>
               </a:spcBef>
@@ -9017,10 +9066,9 @@
               <a:rPr sz="2556"/>
               <a:t>Universal description, discovery, integration (UDDI)</a:t>
             </a:r>
-            <a:endParaRPr sz="2556"/>
-          </a:p>
-          <a:p>
-            <a:pPr lvl="1" marL="631189" indent="-315594" defTabSz="414781">
+          </a:p>
+          <a:p>
+            <a:pPr marL="631189" lvl="1" indent="-315594" defTabSz="414781">
               <a:spcBef>
                 <a:spcPts val="2900"/>
               </a:spcBef>
@@ -9050,12 +9098,12 @@
   <p:clrMapOvr>
     <a:masterClrMapping/>
   </p:clrMapOvr>
-  <p:transition spd="med" advClick="1"/>
+  <p:transition xmlns:p14="http://schemas.microsoft.com/office/powerpoint/2010/main" spd="med"/>
 </p:sld>
 </file>
 
 <file path=ppt/slides/slide9.xml><?xml version="1.0" encoding="utf-8"?>
-<p:sld xmlns:a="http://schemas.openxmlformats.org/drawingml/2006/main" xmlns:r="http://schemas.openxmlformats.org/officeDocument/2006/relationships" xmlns:p="http://schemas.openxmlformats.org/presentationml/2006/main" showMasterSp="1" showMasterPhAnim="1">
+<p:sld xmlns:a="http://schemas.openxmlformats.org/drawingml/2006/main" xmlns:r="http://schemas.openxmlformats.org/officeDocument/2006/relationships" xmlns:p="http://schemas.openxmlformats.org/presentationml/2006/main">
   <p:cSld>
     <p:spTree>
       <p:nvGrpSpPr>
@@ -9074,7 +9122,9 @@
       <p:sp>
         <p:nvSpPr>
           <p:cNvPr id="63" name="Shape 63"/>
-          <p:cNvSpPr/>
+          <p:cNvSpPr>
+            <a:spLocks noGrp="1"/>
+          </p:cNvSpPr>
           <p:nvPr>
             <p:ph type="title"/>
           </p:nvPr>
@@ -9193,12 +9243,12 @@
   <p:clrMapOvr>
     <a:masterClrMapping/>
   </p:clrMapOvr>
-  <p:transition spd="med" advClick="1"/>
+  <p:transition xmlns:p14="http://schemas.microsoft.com/office/powerpoint/2010/main" spd="med"/>
 </p:sld>
 </file>
 
 <file path=ppt/theme/theme1.xml><?xml version="1.0" encoding="utf-8"?>
-<a:theme xmlns:a="http://schemas.openxmlformats.org/drawingml/2006/main" xmlns:r="http://schemas.openxmlformats.org/officeDocument/2006/relationships" name="White">
+<a:theme xmlns:a="http://schemas.openxmlformats.org/drawingml/2006/main" name="White">
   <a:themeElements>
     <a:clrScheme name="White">
       <a:dk1>
@@ -9324,7 +9374,7 @@
       <a:effectStyleLst>
         <a:effectStyle>
           <a:effectLst>
-            <a:outerShdw sx="100000" sy="100000" kx="0" ky="0" algn="b" rotWithShape="0" blurRad="38100" dist="25400" dir="5400000">
+            <a:outerShdw blurRad="38100" dist="25400" dir="5400000" rotWithShape="0">
               <a:srgbClr val="000000">
                 <a:alpha val="50000"/>
               </a:srgbClr>
@@ -9333,7 +9383,7 @@
         </a:effectStyle>
         <a:effectStyle>
           <a:effectLst>
-            <a:outerShdw sx="100000" sy="100000" kx="0" ky="0" algn="b" rotWithShape="0" blurRad="50800" dist="12700" dir="0">
+            <a:outerShdw blurRad="50800" dist="12700" rotWithShape="0">
               <a:srgbClr val="000000">
                 <a:alpha val="50000"/>
               </a:srgbClr>
@@ -9342,7 +9392,7 @@
         </a:effectStyle>
         <a:effectStyle>
           <a:effectLst>
-            <a:outerShdw sx="100000" sy="100000" kx="0" ky="0" algn="b" rotWithShape="0" blurRad="38100" dist="25400" dir="5400000">
+            <a:outerShdw blurRad="38100" dist="25400" dir="5400000" rotWithShape="0">
               <a:srgbClr val="000000">
                 <a:alpha val="50000"/>
               </a:srgbClr>
@@ -9406,8 +9456,8 @@
     <a:spDef>
       <a:spPr>
         <a:blipFill rotWithShape="1">
-          <a:blip r:embed="rId1"/>
-          <a:srcRect l="0" t="0" r="0" b="0"/>
+          <a:blip xmlns:r="http://schemas.openxmlformats.org/officeDocument/2006/relationships" r:embed="rId1"/>
+          <a:srcRect/>
           <a:tile tx="0" ty="0" sx="100000" sy="100000" flip="none" algn="tl"/>
         </a:blipFill>
         <a:ln w="12700" cap="flat">
@@ -9415,14 +9465,14 @@
           <a:miter lim="400000"/>
         </a:ln>
         <a:effectLst>
-          <a:outerShdw sx="100000" sy="100000" kx="0" ky="0" algn="b" rotWithShape="0" blurRad="38100" dist="25400" dir="5400000">
+          <a:outerShdw blurRad="38100" dist="25400" dir="5400000" rotWithShape="0">
             <a:srgbClr val="000000">
               <a:alpha val="50000"/>
             </a:srgbClr>
           </a:outerShdw>
         </a:effectLst>
       </a:spPr>
-      <a:bodyPr rot="0" spcFirstLastPara="1" vertOverflow="overflow" horzOverflow="overflow" vert="horz" wrap="square" lIns="50800" tIns="50800" rIns="50800" bIns="50800" numCol="1" spcCol="38100" rtlCol="0" anchor="ctr" upright="0">
+      <a:bodyPr rot="0" spcFirstLastPara="1" vertOverflow="overflow" horzOverflow="overflow" vert="horz" wrap="square" lIns="50800" tIns="50800" rIns="50800" bIns="50800" numCol="1" spcCol="38100" rtlCol="0" anchor="ctr">
         <a:spAutoFit/>
       </a:bodyPr>
       <a:lstStyle>
@@ -9441,7 +9491,7 @@
           <a:buFontTx/>
           <a:buNone/>
           <a:tabLst/>
-          <a:defRPr b="0" baseline="0" cap="none" i="0" spc="0" strike="noStrike" sz="2400" u="none" kumimoji="0" normalizeH="0">
+          <a:defRPr kumimoji="0" sz="2400" b="0" i="0" u="none" strike="noStrike" cap="none" spc="0" normalizeH="0" baseline="0">
             <a:ln>
               <a:noFill/>
             </a:ln>
@@ -9471,7 +9521,7 @@
           <a:buFontTx/>
           <a:buNone/>
           <a:tabLst/>
-          <a:defRPr b="0" baseline="0" cap="none" i="0" spc="0" strike="noStrike" sz="1800" u="none" kumimoji="0" normalizeH="0">
+          <a:defRPr kumimoji="0" sz="1800" b="0" i="0" u="none" strike="noStrike" cap="none" spc="0" normalizeH="0" baseline="0">
             <a:ln>
               <a:noFill/>
             </a:ln>
@@ -9497,7 +9547,7 @@
           <a:buFontTx/>
           <a:buNone/>
           <a:tabLst/>
-          <a:defRPr b="0" baseline="0" cap="none" i="0" spc="0" strike="noStrike" sz="1800" u="none" kumimoji="0" normalizeH="0">
+          <a:defRPr kumimoji="0" sz="1800" b="0" i="0" u="none" strike="noStrike" cap="none" spc="0" normalizeH="0" baseline="0">
             <a:ln>
               <a:noFill/>
             </a:ln>
@@ -9523,7 +9573,7 @@
           <a:buFontTx/>
           <a:buNone/>
           <a:tabLst/>
-          <a:defRPr b="0" baseline="0" cap="none" i="0" spc="0" strike="noStrike" sz="1800" u="none" kumimoji="0" normalizeH="0">
+          <a:defRPr kumimoji="0" sz="1800" b="0" i="0" u="none" strike="noStrike" cap="none" spc="0" normalizeH="0" baseline="0">
             <a:ln>
               <a:noFill/>
             </a:ln>
@@ -9549,7 +9599,7 @@
           <a:buFontTx/>
           <a:buNone/>
           <a:tabLst/>
-          <a:defRPr b="0" baseline="0" cap="none" i="0" spc="0" strike="noStrike" sz="1800" u="none" kumimoji="0" normalizeH="0">
+          <a:defRPr kumimoji="0" sz="1800" b="0" i="0" u="none" strike="noStrike" cap="none" spc="0" normalizeH="0" baseline="0">
             <a:ln>
               <a:noFill/>
             </a:ln>
@@ -9575,7 +9625,7 @@
           <a:buFontTx/>
           <a:buNone/>
           <a:tabLst/>
-          <a:defRPr b="0" baseline="0" cap="none" i="0" spc="0" strike="noStrike" sz="1800" u="none" kumimoji="0" normalizeH="0">
+          <a:defRPr kumimoji="0" sz="1800" b="0" i="0" u="none" strike="noStrike" cap="none" spc="0" normalizeH="0" baseline="0">
             <a:ln>
               <a:noFill/>
             </a:ln>
@@ -9601,7 +9651,7 @@
           <a:buFontTx/>
           <a:buNone/>
           <a:tabLst/>
-          <a:defRPr b="0" baseline="0" cap="none" i="0" spc="0" strike="noStrike" sz="1800" u="none" kumimoji="0" normalizeH="0">
+          <a:defRPr kumimoji="0" sz="1800" b="0" i="0" u="none" strike="noStrike" cap="none" spc="0" normalizeH="0" baseline="0">
             <a:ln>
               <a:noFill/>
             </a:ln>
@@ -9627,7 +9677,7 @@
           <a:buFontTx/>
           <a:buNone/>
           <a:tabLst/>
-          <a:defRPr b="0" baseline="0" cap="none" i="0" spc="0" strike="noStrike" sz="1800" u="none" kumimoji="0" normalizeH="0">
+          <a:defRPr kumimoji="0" sz="1800" b="0" i="0" u="none" strike="noStrike" cap="none" spc="0" normalizeH="0" baseline="0">
             <a:ln>
               <a:noFill/>
             </a:ln>
@@ -9653,7 +9703,7 @@
           <a:buFontTx/>
           <a:buNone/>
           <a:tabLst/>
-          <a:defRPr b="0" baseline="0" cap="none" i="0" spc="0" strike="noStrike" sz="1800" u="none" kumimoji="0" normalizeH="0">
+          <a:defRPr kumimoji="0" sz="1800" b="0" i="0" u="none" strike="noStrike" cap="none" spc="0" normalizeH="0" baseline="0">
             <a:ln>
               <a:noFill/>
             </a:ln>
@@ -9679,7 +9729,7 @@
           <a:buFontTx/>
           <a:buNone/>
           <a:tabLst/>
-          <a:defRPr b="0" baseline="0" cap="none" i="0" spc="0" strike="noStrike" sz="1800" u="none" kumimoji="0" normalizeH="0">
+          <a:defRPr kumimoji="0" sz="1800" b="0" i="0" u="none" strike="noStrike" cap="none" spc="0" normalizeH="0" baseline="0">
             <a:ln>
               <a:noFill/>
             </a:ln>
@@ -9692,9 +9742,15 @@
         </a:lvl9pPr>
       </a:lstStyle>
       <a:style>
-        <a:lnRef idx="0"/>
-        <a:fillRef idx="0"/>
-        <a:effectRef idx="0"/>
+        <a:lnRef idx="0">
+          <a:scrgbClr r="0" g="0" b="0"/>
+        </a:lnRef>
+        <a:fillRef idx="0">
+          <a:scrgbClr r="0" g="0" b="0"/>
+        </a:fillRef>
+        <a:effectRef idx="0">
+          <a:scrgbClr r="0" g="0" b="0"/>
+        </a:effectRef>
         <a:fontRef idx="none"/>
       </a:style>
     </a:spDef>
@@ -9710,7 +9766,7 @@
         </a:ln>
         <a:effectLst/>
       </a:spPr>
-      <a:bodyPr rot="0" spcFirstLastPara="1" vertOverflow="overflow" horzOverflow="overflow" vert="horz" wrap="square" lIns="91439" tIns="45719" rIns="91439" bIns="45719" numCol="1" spcCol="38100" rtlCol="0" anchor="t" upright="0">
+      <a:bodyPr rot="0" spcFirstLastPara="1" vertOverflow="overflow" horzOverflow="overflow" vert="horz" wrap="square" lIns="91439" tIns="45719" rIns="91439" bIns="45719" numCol="1" spcCol="38100" rtlCol="0" anchor="t">
         <a:noAutofit/>
       </a:bodyPr>
       <a:lstStyle>
@@ -9729,7 +9785,7 @@
           <a:buFontTx/>
           <a:buNone/>
           <a:tabLst/>
-          <a:defRPr b="0" baseline="0" cap="none" i="0" spc="0" strike="noStrike" sz="1800" u="none" kumimoji="0" normalizeH="0">
+          <a:defRPr kumimoji="0" sz="1800" b="0" i="0" u="none" strike="noStrike" cap="none" spc="0" normalizeH="0" baseline="0">
             <a:ln>
               <a:noFill/>
             </a:ln>
@@ -9755,7 +9811,7 @@
           <a:buFontTx/>
           <a:buNone/>
           <a:tabLst/>
-          <a:defRPr b="0" baseline="0" cap="none" i="0" spc="0" strike="noStrike" sz="1800" u="none" kumimoji="0" normalizeH="0">
+          <a:defRPr kumimoji="0" sz="1800" b="0" i="0" u="none" strike="noStrike" cap="none" spc="0" normalizeH="0" baseline="0">
             <a:ln>
               <a:noFill/>
             </a:ln>
@@ -9781,7 +9837,7 @@
           <a:buFontTx/>
           <a:buNone/>
           <a:tabLst/>
-          <a:defRPr b="0" baseline="0" cap="none" i="0" spc="0" strike="noStrike" sz="1800" u="none" kumimoji="0" normalizeH="0">
+          <a:defRPr kumimoji="0" sz="1800" b="0" i="0" u="none" strike="noStrike" cap="none" spc="0" normalizeH="0" baseline="0">
             <a:ln>
               <a:noFill/>
             </a:ln>
@@ -9807,7 +9863,7 @@
           <a:buFontTx/>
           <a:buNone/>
           <a:tabLst/>
-          <a:defRPr b="0" baseline="0" cap="none" i="0" spc="0" strike="noStrike" sz="1800" u="none" kumimoji="0" normalizeH="0">
+          <a:defRPr kumimoji="0" sz="1800" b="0" i="0" u="none" strike="noStrike" cap="none" spc="0" normalizeH="0" baseline="0">
             <a:ln>
               <a:noFill/>
             </a:ln>
@@ -9833,7 +9889,7 @@
           <a:buFontTx/>
           <a:buNone/>
           <a:tabLst/>
-          <a:defRPr b="0" baseline="0" cap="none" i="0" spc="0" strike="noStrike" sz="1800" u="none" kumimoji="0" normalizeH="0">
+          <a:defRPr kumimoji="0" sz="1800" b="0" i="0" u="none" strike="noStrike" cap="none" spc="0" normalizeH="0" baseline="0">
             <a:ln>
               <a:noFill/>
             </a:ln>
@@ -9859,7 +9915,7 @@
           <a:buFontTx/>
           <a:buNone/>
           <a:tabLst/>
-          <a:defRPr b="0" baseline="0" cap="none" i="0" spc="0" strike="noStrike" sz="1800" u="none" kumimoji="0" normalizeH="0">
+          <a:defRPr kumimoji="0" sz="1800" b="0" i="0" u="none" strike="noStrike" cap="none" spc="0" normalizeH="0" baseline="0">
             <a:ln>
               <a:noFill/>
             </a:ln>
@@ -9885,7 +9941,7 @@
           <a:buFontTx/>
           <a:buNone/>
           <a:tabLst/>
-          <a:defRPr b="0" baseline="0" cap="none" i="0" spc="0" strike="noStrike" sz="1800" u="none" kumimoji="0" normalizeH="0">
+          <a:defRPr kumimoji="0" sz="1800" b="0" i="0" u="none" strike="noStrike" cap="none" spc="0" normalizeH="0" baseline="0">
             <a:ln>
               <a:noFill/>
             </a:ln>
@@ -9911,7 +9967,7 @@
           <a:buFontTx/>
           <a:buNone/>
           <a:tabLst/>
-          <a:defRPr b="0" baseline="0" cap="none" i="0" spc="0" strike="noStrike" sz="1800" u="none" kumimoji="0" normalizeH="0">
+          <a:defRPr kumimoji="0" sz="1800" b="0" i="0" u="none" strike="noStrike" cap="none" spc="0" normalizeH="0" baseline="0">
             <a:ln>
               <a:noFill/>
             </a:ln>
@@ -9937,7 +9993,7 @@
           <a:buFontTx/>
           <a:buNone/>
           <a:tabLst/>
-          <a:defRPr b="0" baseline="0" cap="none" i="0" spc="0" strike="noStrike" sz="1800" u="none" kumimoji="0" normalizeH="0">
+          <a:defRPr kumimoji="0" sz="1800" b="0" i="0" u="none" strike="noStrike" cap="none" spc="0" normalizeH="0" baseline="0">
             <a:ln>
               <a:noFill/>
             </a:ln>
@@ -9963,7 +10019,7 @@
           <a:buFontTx/>
           <a:buNone/>
           <a:tabLst/>
-          <a:defRPr b="0" baseline="0" cap="none" i="0" spc="0" strike="noStrike" sz="1800" u="none" kumimoji="0" normalizeH="0">
+          <a:defRPr kumimoji="0" sz="1800" b="0" i="0" u="none" strike="noStrike" cap="none" spc="0" normalizeH="0" baseline="0">
             <a:ln>
               <a:noFill/>
             </a:ln>
@@ -9976,9 +10032,15 @@
         </a:lvl9pPr>
       </a:lstStyle>
       <a:style>
-        <a:lnRef idx="0"/>
-        <a:fillRef idx="0"/>
-        <a:effectRef idx="0"/>
+        <a:lnRef idx="0">
+          <a:scrgbClr r="0" g="0" b="0"/>
+        </a:lnRef>
+        <a:fillRef idx="0">
+          <a:scrgbClr r="0" g="0" b="0"/>
+        </a:fillRef>
+        <a:effectRef idx="0">
+          <a:scrgbClr r="0" g="0" b="0"/>
+        </a:effectRef>
         <a:fontRef idx="none"/>
       </a:style>
     </a:lnDef>
@@ -9991,7 +10053,7 @@
         </a:ln>
         <a:effectLst/>
       </a:spPr>
-      <a:bodyPr rot="0" spcFirstLastPara="1" vertOverflow="overflow" horzOverflow="overflow" vert="horz" wrap="square" lIns="50800" tIns="50800" rIns="50800" bIns="50800" numCol="1" spcCol="38100" rtlCol="0" anchor="ctr" upright="0">
+      <a:bodyPr rot="0" spcFirstLastPara="1" vertOverflow="overflow" horzOverflow="overflow" vert="horz" wrap="square" lIns="50800" tIns="50800" rIns="50800" bIns="50800" numCol="1" spcCol="38100" rtlCol="0" anchor="ctr">
         <a:spAutoFit/>
       </a:bodyPr>
       <a:lstStyle>
@@ -10010,7 +10072,7 @@
           <a:buFontTx/>
           <a:buNone/>
           <a:tabLst/>
-          <a:defRPr b="0" baseline="0" cap="none" i="0" spc="0" strike="noStrike" sz="3600" u="none" kumimoji="0" normalizeH="0">
+          <a:defRPr kumimoji="0" sz="3600" b="0" i="0" u="none" strike="noStrike" cap="none" spc="0" normalizeH="0" baseline="0">
             <a:ln>
               <a:noFill/>
             </a:ln>
@@ -10040,7 +10102,7 @@
           <a:buFontTx/>
           <a:buNone/>
           <a:tabLst/>
-          <a:defRPr b="0" baseline="0" cap="none" i="0" spc="0" strike="noStrike" sz="1800" u="none" kumimoji="0" normalizeH="0">
+          <a:defRPr kumimoji="0" sz="1800" b="0" i="0" u="none" strike="noStrike" cap="none" spc="0" normalizeH="0" baseline="0">
             <a:ln>
               <a:noFill/>
             </a:ln>
@@ -10066,7 +10128,7 @@
           <a:buFontTx/>
           <a:buNone/>
           <a:tabLst/>
-          <a:defRPr b="0" baseline="0" cap="none" i="0" spc="0" strike="noStrike" sz="1800" u="none" kumimoji="0" normalizeH="0">
+          <a:defRPr kumimoji="0" sz="1800" b="0" i="0" u="none" strike="noStrike" cap="none" spc="0" normalizeH="0" baseline="0">
             <a:ln>
               <a:noFill/>
             </a:ln>
@@ -10092,7 +10154,7 @@
           <a:buFontTx/>
           <a:buNone/>
           <a:tabLst/>
-          <a:defRPr b="0" baseline="0" cap="none" i="0" spc="0" strike="noStrike" sz="1800" u="none" kumimoji="0" normalizeH="0">
+          <a:defRPr kumimoji="0" sz="1800" b="0" i="0" u="none" strike="noStrike" cap="none" spc="0" normalizeH="0" baseline="0">
             <a:ln>
               <a:noFill/>
             </a:ln>
@@ -10118,7 +10180,7 @@
           <a:buFontTx/>
           <a:buNone/>
           <a:tabLst/>
-          <a:defRPr b="0" baseline="0" cap="none" i="0" spc="0" strike="noStrike" sz="1800" u="none" kumimoji="0" normalizeH="0">
+          <a:defRPr kumimoji="0" sz="1800" b="0" i="0" u="none" strike="noStrike" cap="none" spc="0" normalizeH="0" baseline="0">
             <a:ln>
               <a:noFill/>
             </a:ln>
@@ -10144,7 +10206,7 @@
           <a:buFontTx/>
           <a:buNone/>
           <a:tabLst/>
-          <a:defRPr b="0" baseline="0" cap="none" i="0" spc="0" strike="noStrike" sz="1800" u="none" kumimoji="0" normalizeH="0">
+          <a:defRPr kumimoji="0" sz="1800" b="0" i="0" u="none" strike="noStrike" cap="none" spc="0" normalizeH="0" baseline="0">
             <a:ln>
               <a:noFill/>
             </a:ln>
@@ -10170,7 +10232,7 @@
           <a:buFontTx/>
           <a:buNone/>
           <a:tabLst/>
-          <a:defRPr b="0" baseline="0" cap="none" i="0" spc="0" strike="noStrike" sz="1800" u="none" kumimoji="0" normalizeH="0">
+          <a:defRPr kumimoji="0" sz="1800" b="0" i="0" u="none" strike="noStrike" cap="none" spc="0" normalizeH="0" baseline="0">
             <a:ln>
               <a:noFill/>
             </a:ln>
@@ -10196,7 +10258,7 @@
           <a:buFontTx/>
           <a:buNone/>
           <a:tabLst/>
-          <a:defRPr b="0" baseline="0" cap="none" i="0" spc="0" strike="noStrike" sz="1800" u="none" kumimoji="0" normalizeH="0">
+          <a:defRPr kumimoji="0" sz="1800" b="0" i="0" u="none" strike="noStrike" cap="none" spc="0" normalizeH="0" baseline="0">
             <a:ln>
               <a:noFill/>
             </a:ln>
@@ -10222,7 +10284,7 @@
           <a:buFontTx/>
           <a:buNone/>
           <a:tabLst/>
-          <a:defRPr b="0" baseline="0" cap="none" i="0" spc="0" strike="noStrike" sz="1800" u="none" kumimoji="0" normalizeH="0">
+          <a:defRPr kumimoji="0" sz="1800" b="0" i="0" u="none" strike="noStrike" cap="none" spc="0" normalizeH="0" baseline="0">
             <a:ln>
               <a:noFill/>
             </a:ln>
@@ -10248,7 +10310,7 @@
           <a:buFontTx/>
           <a:buNone/>
           <a:tabLst/>
-          <a:defRPr b="0" baseline="0" cap="none" i="0" spc="0" strike="noStrike" sz="1800" u="none" kumimoji="0" normalizeH="0">
+          <a:defRPr kumimoji="0" sz="1800" b="0" i="0" u="none" strike="noStrike" cap="none" spc="0" normalizeH="0" baseline="0">
             <a:ln>
               <a:noFill/>
             </a:ln>
@@ -10261,18 +10323,25 @@
         </a:lvl9pPr>
       </a:lstStyle>
       <a:style>
-        <a:lnRef idx="0"/>
-        <a:fillRef idx="0"/>
-        <a:effectRef idx="0"/>
+        <a:lnRef idx="0">
+          <a:scrgbClr r="0" g="0" b="0"/>
+        </a:lnRef>
+        <a:fillRef idx="0">
+          <a:scrgbClr r="0" g="0" b="0"/>
+        </a:fillRef>
+        <a:effectRef idx="0">
+          <a:scrgbClr r="0" g="0" b="0"/>
+        </a:effectRef>
         <a:fontRef idx="none"/>
       </a:style>
     </a:txDef>
   </a:objectDefaults>
+  <a:extraClrSchemeLst/>
 </a:theme>
 </file>
 
 <file path=ppt/theme/theme2.xml><?xml version="1.0" encoding="utf-8"?>
-<a:theme xmlns:a="http://schemas.openxmlformats.org/drawingml/2006/main" xmlns:r="http://schemas.openxmlformats.org/officeDocument/2006/relationships" name="White">
+<a:theme xmlns:a="http://schemas.openxmlformats.org/drawingml/2006/main" name="White">
   <a:themeElements>
     <a:clrScheme name="White">
       <a:dk1>
@@ -10398,7 +10467,7 @@
       <a:effectStyleLst>
         <a:effectStyle>
           <a:effectLst>
-            <a:outerShdw sx="100000" sy="100000" kx="0" ky="0" algn="b" rotWithShape="0" blurRad="38100" dist="25400" dir="5400000">
+            <a:outerShdw blurRad="38100" dist="25400" dir="5400000" rotWithShape="0">
               <a:srgbClr val="000000">
                 <a:alpha val="50000"/>
               </a:srgbClr>
@@ -10407,7 +10476,7 @@
         </a:effectStyle>
         <a:effectStyle>
           <a:effectLst>
-            <a:outerShdw sx="100000" sy="100000" kx="0" ky="0" algn="b" rotWithShape="0" blurRad="50800" dist="12700" dir="0">
+            <a:outerShdw blurRad="50800" dist="12700" rotWithShape="0">
               <a:srgbClr val="000000">
                 <a:alpha val="50000"/>
               </a:srgbClr>
@@ -10416,7 +10485,7 @@
         </a:effectStyle>
         <a:effectStyle>
           <a:effectLst>
-            <a:outerShdw sx="100000" sy="100000" kx="0" ky="0" algn="b" rotWithShape="0" blurRad="38100" dist="25400" dir="5400000">
+            <a:outerShdw blurRad="38100" dist="25400" dir="5400000" rotWithShape="0">
               <a:srgbClr val="000000">
                 <a:alpha val="50000"/>
               </a:srgbClr>
@@ -10480,8 +10549,8 @@
     <a:spDef>
       <a:spPr>
         <a:blipFill rotWithShape="1">
-          <a:blip r:embed="rId1"/>
-          <a:srcRect l="0" t="0" r="0" b="0"/>
+          <a:blip xmlns:r="http://schemas.openxmlformats.org/officeDocument/2006/relationships" r:embed="rId1"/>
+          <a:srcRect/>
           <a:tile tx="0" ty="0" sx="100000" sy="100000" flip="none" algn="tl"/>
         </a:blipFill>
         <a:ln w="12700" cap="flat">
@@ -10489,14 +10558,14 @@
           <a:miter lim="400000"/>
         </a:ln>
         <a:effectLst>
-          <a:outerShdw sx="100000" sy="100000" kx="0" ky="0" algn="b" rotWithShape="0" blurRad="38100" dist="25400" dir="5400000">
+          <a:outerShdw blurRad="38100" dist="25400" dir="5400000" rotWithShape="0">
             <a:srgbClr val="000000">
               <a:alpha val="50000"/>
             </a:srgbClr>
           </a:outerShdw>
         </a:effectLst>
       </a:spPr>
-      <a:bodyPr rot="0" spcFirstLastPara="1" vertOverflow="overflow" horzOverflow="overflow" vert="horz" wrap="square" lIns="50800" tIns="50800" rIns="50800" bIns="50800" numCol="1" spcCol="38100" rtlCol="0" anchor="ctr" upright="0">
+      <a:bodyPr rot="0" spcFirstLastPara="1" vertOverflow="overflow" horzOverflow="overflow" vert="horz" wrap="square" lIns="50800" tIns="50800" rIns="50800" bIns="50800" numCol="1" spcCol="38100" rtlCol="0" anchor="ctr">
         <a:spAutoFit/>
       </a:bodyPr>
       <a:lstStyle>
@@ -10515,7 +10584,7 @@
           <a:buFontTx/>
           <a:buNone/>
           <a:tabLst/>
-          <a:defRPr b="0" baseline="0" cap="none" i="0" spc="0" strike="noStrike" sz="2400" u="none" kumimoji="0" normalizeH="0">
+          <a:defRPr kumimoji="0" sz="2400" b="0" i="0" u="none" strike="noStrike" cap="none" spc="0" normalizeH="0" baseline="0">
             <a:ln>
               <a:noFill/>
             </a:ln>
@@ -10545,7 +10614,7 @@
           <a:buFontTx/>
           <a:buNone/>
           <a:tabLst/>
-          <a:defRPr b="0" baseline="0" cap="none" i="0" spc="0" strike="noStrike" sz="1800" u="none" kumimoji="0" normalizeH="0">
+          <a:defRPr kumimoji="0" sz="1800" b="0" i="0" u="none" strike="noStrike" cap="none" spc="0" normalizeH="0" baseline="0">
             <a:ln>
               <a:noFill/>
             </a:ln>
@@ -10571,7 +10640,7 @@
           <a:buFontTx/>
           <a:buNone/>
           <a:tabLst/>
-          <a:defRPr b="0" baseline="0" cap="none" i="0" spc="0" strike="noStrike" sz="1800" u="none" kumimoji="0" normalizeH="0">
+          <a:defRPr kumimoji="0" sz="1800" b="0" i="0" u="none" strike="noStrike" cap="none" spc="0" normalizeH="0" baseline="0">
             <a:ln>
               <a:noFill/>
             </a:ln>
@@ -10597,7 +10666,7 @@
           <a:buFontTx/>
           <a:buNone/>
           <a:tabLst/>
-          <a:defRPr b="0" baseline="0" cap="none" i="0" spc="0" strike="noStrike" sz="1800" u="none" kumimoji="0" normalizeH="0">
+          <a:defRPr kumimoji="0" sz="1800" b="0" i="0" u="none" strike="noStrike" cap="none" spc="0" normalizeH="0" baseline="0">
             <a:ln>
               <a:noFill/>
             </a:ln>
@@ -10623,7 +10692,7 @@
           <a:buFontTx/>
           <a:buNone/>
           <a:tabLst/>
-          <a:defRPr b="0" baseline="0" cap="none" i="0" spc="0" strike="noStrike" sz="1800" u="none" kumimoji="0" normalizeH="0">
+          <a:defRPr kumimoji="0" sz="1800" b="0" i="0" u="none" strike="noStrike" cap="none" spc="0" normalizeH="0" baseline="0">
             <a:ln>
               <a:noFill/>
             </a:ln>
@@ -10649,7 +10718,7 @@
           <a:buFontTx/>
           <a:buNone/>
           <a:tabLst/>
-          <a:defRPr b="0" baseline="0" cap="none" i="0" spc="0" strike="noStrike" sz="1800" u="none" kumimoji="0" normalizeH="0">
+          <a:defRPr kumimoji="0" sz="1800" b="0" i="0" u="none" strike="noStrike" cap="none" spc="0" normalizeH="0" baseline="0">
             <a:ln>
               <a:noFill/>
             </a:ln>
@@ -10675,7 +10744,7 @@
           <a:buFontTx/>
           <a:buNone/>
           <a:tabLst/>
-          <a:defRPr b="0" baseline="0" cap="none" i="0" spc="0" strike="noStrike" sz="1800" u="none" kumimoji="0" normalizeH="0">
+          <a:defRPr kumimoji="0" sz="1800" b="0" i="0" u="none" strike="noStrike" cap="none" spc="0" normalizeH="0" baseline="0">
             <a:ln>
               <a:noFill/>
             </a:ln>
@@ -10701,7 +10770,7 @@
           <a:buFontTx/>
           <a:buNone/>
           <a:tabLst/>
-          <a:defRPr b="0" baseline="0" cap="none" i="0" spc="0" strike="noStrike" sz="1800" u="none" kumimoji="0" normalizeH="0">
+          <a:defRPr kumimoji="0" sz="1800" b="0" i="0" u="none" strike="noStrike" cap="none" spc="0" normalizeH="0" baseline="0">
             <a:ln>
               <a:noFill/>
             </a:ln>
@@ -10727,7 +10796,7 @@
           <a:buFontTx/>
           <a:buNone/>
           <a:tabLst/>
-          <a:defRPr b="0" baseline="0" cap="none" i="0" spc="0" strike="noStrike" sz="1800" u="none" kumimoji="0" normalizeH="0">
+          <a:defRPr kumimoji="0" sz="1800" b="0" i="0" u="none" strike="noStrike" cap="none" spc="0" normalizeH="0" baseline="0">
             <a:ln>
               <a:noFill/>
             </a:ln>
@@ -10753,7 +10822,7 @@
           <a:buFontTx/>
           <a:buNone/>
           <a:tabLst/>
-          <a:defRPr b="0" baseline="0" cap="none" i="0" spc="0" strike="noStrike" sz="1800" u="none" kumimoji="0" normalizeH="0">
+          <a:defRPr kumimoji="0" sz="1800" b="0" i="0" u="none" strike="noStrike" cap="none" spc="0" normalizeH="0" baseline="0">
             <a:ln>
               <a:noFill/>
             </a:ln>
@@ -10766,9 +10835,15 @@
         </a:lvl9pPr>
       </a:lstStyle>
       <a:style>
-        <a:lnRef idx="0"/>
-        <a:fillRef idx="0"/>
-        <a:effectRef idx="0"/>
+        <a:lnRef idx="0">
+          <a:scrgbClr r="0" g="0" b="0"/>
+        </a:lnRef>
+        <a:fillRef idx="0">
+          <a:scrgbClr r="0" g="0" b="0"/>
+        </a:fillRef>
+        <a:effectRef idx="0">
+          <a:scrgbClr r="0" g="0" b="0"/>
+        </a:effectRef>
         <a:fontRef idx="none"/>
       </a:style>
     </a:spDef>
@@ -10784,7 +10859,7 @@
         </a:ln>
         <a:effectLst/>
       </a:spPr>
-      <a:bodyPr rot="0" spcFirstLastPara="1" vertOverflow="overflow" horzOverflow="overflow" vert="horz" wrap="square" lIns="91439" tIns="45719" rIns="91439" bIns="45719" numCol="1" spcCol="38100" rtlCol="0" anchor="t" upright="0">
+      <a:bodyPr rot="0" spcFirstLastPara="1" vertOverflow="overflow" horzOverflow="overflow" vert="horz" wrap="square" lIns="91439" tIns="45719" rIns="91439" bIns="45719" numCol="1" spcCol="38100" rtlCol="0" anchor="t">
         <a:noAutofit/>
       </a:bodyPr>
       <a:lstStyle>
@@ -10803,7 +10878,7 @@
           <a:buFontTx/>
           <a:buNone/>
           <a:tabLst/>
-          <a:defRPr b="0" baseline="0" cap="none" i="0" spc="0" strike="noStrike" sz="1800" u="none" kumimoji="0" normalizeH="0">
+          <a:defRPr kumimoji="0" sz="1800" b="0" i="0" u="none" strike="noStrike" cap="none" spc="0" normalizeH="0" baseline="0">
             <a:ln>
               <a:noFill/>
             </a:ln>
@@ -10829,7 +10904,7 @@
           <a:buFontTx/>
           <a:buNone/>
           <a:tabLst/>
-          <a:defRPr b="0" baseline="0" cap="none" i="0" spc="0" strike="noStrike" sz="1800" u="none" kumimoji="0" normalizeH="0">
+          <a:defRPr kumimoji="0" sz="1800" b="0" i="0" u="none" strike="noStrike" cap="none" spc="0" normalizeH="0" baseline="0">
             <a:ln>
               <a:noFill/>
             </a:ln>
@@ -10855,7 +10930,7 @@
           <a:buFontTx/>
           <a:buNone/>
           <a:tabLst/>
-          <a:defRPr b="0" baseline="0" cap="none" i="0" spc="0" strike="noStrike" sz="1800" u="none" kumimoji="0" normalizeH="0">
+          <a:defRPr kumimoji="0" sz="1800" b="0" i="0" u="none" strike="noStrike" cap="none" spc="0" normalizeH="0" baseline="0">
             <a:ln>
               <a:noFill/>
             </a:ln>
@@ -10881,7 +10956,7 @@
           <a:buFontTx/>
           <a:buNone/>
           <a:tabLst/>
-          <a:defRPr b="0" baseline="0" cap="none" i="0" spc="0" strike="noStrike" sz="1800" u="none" kumimoji="0" normalizeH="0">
+          <a:defRPr kumimoji="0" sz="1800" b="0" i="0" u="none" strike="noStrike" cap="none" spc="0" normalizeH="0" baseline="0">
             <a:ln>
               <a:noFill/>
             </a:ln>
@@ -10907,7 +10982,7 @@
           <a:buFontTx/>
           <a:buNone/>
           <a:tabLst/>
-          <a:defRPr b="0" baseline="0" cap="none" i="0" spc="0" strike="noStrike" sz="1800" u="none" kumimoji="0" normalizeH="0">
+          <a:defRPr kumimoji="0" sz="1800" b="0" i="0" u="none" strike="noStrike" cap="none" spc="0" normalizeH="0" baseline="0">
             <a:ln>
               <a:noFill/>
             </a:ln>
@@ -10933,7 +11008,7 @@
           <a:buFontTx/>
           <a:buNone/>
           <a:tabLst/>
-          <a:defRPr b="0" baseline="0" cap="none" i="0" spc="0" strike="noStrike" sz="1800" u="none" kumimoji="0" normalizeH="0">
+          <a:defRPr kumimoji="0" sz="1800" b="0" i="0" u="none" strike="noStrike" cap="none" spc="0" normalizeH="0" baseline="0">
             <a:ln>
               <a:noFill/>
             </a:ln>
@@ -10959,7 +11034,7 @@
           <a:buFontTx/>
           <a:buNone/>
           <a:tabLst/>
-          <a:defRPr b="0" baseline="0" cap="none" i="0" spc="0" strike="noStrike" sz="1800" u="none" kumimoji="0" normalizeH="0">
+          <a:defRPr kumimoji="0" sz="1800" b="0" i="0" u="none" strike="noStrike" cap="none" spc="0" normalizeH="0" baseline="0">
             <a:ln>
               <a:noFill/>
             </a:ln>
@@ -10985,7 +11060,7 @@
           <a:buFontTx/>
           <a:buNone/>
           <a:tabLst/>
-          <a:defRPr b="0" baseline="0" cap="none" i="0" spc="0" strike="noStrike" sz="1800" u="none" kumimoji="0" normalizeH="0">
+          <a:defRPr kumimoji="0" sz="1800" b="0" i="0" u="none" strike="noStrike" cap="none" spc="0" normalizeH="0" baseline="0">
             <a:ln>
               <a:noFill/>
             </a:ln>
@@ -11011,7 +11086,7 @@
           <a:buFontTx/>
           <a:buNone/>
           <a:tabLst/>
-          <a:defRPr b="0" baseline="0" cap="none" i="0" spc="0" strike="noStrike" sz="1800" u="none" kumimoji="0" normalizeH="0">
+          <a:defRPr kumimoji="0" sz="1800" b="0" i="0" u="none" strike="noStrike" cap="none" spc="0" normalizeH="0" baseline="0">
             <a:ln>
               <a:noFill/>
             </a:ln>
@@ -11037,7 +11112,7 @@
           <a:buFontTx/>
           <a:buNone/>
           <a:tabLst/>
-          <a:defRPr b="0" baseline="0" cap="none" i="0" spc="0" strike="noStrike" sz="1800" u="none" kumimoji="0" normalizeH="0">
+          <a:defRPr kumimoji="0" sz="1800" b="0" i="0" u="none" strike="noStrike" cap="none" spc="0" normalizeH="0" baseline="0">
             <a:ln>
               <a:noFill/>
             </a:ln>
@@ -11050,9 +11125,15 @@
         </a:lvl9pPr>
       </a:lstStyle>
       <a:style>
-        <a:lnRef idx="0"/>
-        <a:fillRef idx="0"/>
-        <a:effectRef idx="0"/>
+        <a:lnRef idx="0">
+          <a:scrgbClr r="0" g="0" b="0"/>
+        </a:lnRef>
+        <a:fillRef idx="0">
+          <a:scrgbClr r="0" g="0" b="0"/>
+        </a:fillRef>
+        <a:effectRef idx="0">
+          <a:scrgbClr r="0" g="0" b="0"/>
+        </a:effectRef>
         <a:fontRef idx="none"/>
       </a:style>
     </a:lnDef>
@@ -11065,7 +11146,7 @@
         </a:ln>
         <a:effectLst/>
       </a:spPr>
-      <a:bodyPr rot="0" spcFirstLastPara="1" vertOverflow="overflow" horzOverflow="overflow" vert="horz" wrap="square" lIns="50800" tIns="50800" rIns="50800" bIns="50800" numCol="1" spcCol="38100" rtlCol="0" anchor="ctr" upright="0">
+      <a:bodyPr rot="0" spcFirstLastPara="1" vertOverflow="overflow" horzOverflow="overflow" vert="horz" wrap="square" lIns="50800" tIns="50800" rIns="50800" bIns="50800" numCol="1" spcCol="38100" rtlCol="0" anchor="ctr">
         <a:spAutoFit/>
       </a:bodyPr>
       <a:lstStyle>
@@ -11084,7 +11165,7 @@
           <a:buFontTx/>
           <a:buNone/>
           <a:tabLst/>
-          <a:defRPr b="0" baseline="0" cap="none" i="0" spc="0" strike="noStrike" sz="3600" u="none" kumimoji="0" normalizeH="0">
+          <a:defRPr kumimoji="0" sz="3600" b="0" i="0" u="none" strike="noStrike" cap="none" spc="0" normalizeH="0" baseline="0">
             <a:ln>
               <a:noFill/>
             </a:ln>
@@ -11114,7 +11195,7 @@
           <a:buFontTx/>
           <a:buNone/>
           <a:tabLst/>
-          <a:defRPr b="0" baseline="0" cap="none" i="0" spc="0" strike="noStrike" sz="1800" u="none" kumimoji="0" normalizeH="0">
+          <a:defRPr kumimoji="0" sz="1800" b="0" i="0" u="none" strike="noStrike" cap="none" spc="0" normalizeH="0" baseline="0">
             <a:ln>
               <a:noFill/>
             </a:ln>
@@ -11140,7 +11221,7 @@
           <a:buFontTx/>
           <a:buNone/>
           <a:tabLst/>
-          <a:defRPr b="0" baseline="0" cap="none" i="0" spc="0" strike="noStrike" sz="1800" u="none" kumimoji="0" normalizeH="0">
+          <a:defRPr kumimoji="0" sz="1800" b="0" i="0" u="none" strike="noStrike" cap="none" spc="0" normalizeH="0" baseline="0">
             <a:ln>
               <a:noFill/>
             </a:ln>
@@ -11166,7 +11247,7 @@
           <a:buFontTx/>
           <a:buNone/>
           <a:tabLst/>
-          <a:defRPr b="0" baseline="0" cap="none" i="0" spc="0" strike="noStrike" sz="1800" u="none" kumimoji="0" normalizeH="0">
+          <a:defRPr kumimoji="0" sz="1800" b="0" i="0" u="none" strike="noStrike" cap="none" spc="0" normalizeH="0" baseline="0">
             <a:ln>
               <a:noFill/>
             </a:ln>
@@ -11192,7 +11273,7 @@
           <a:buFontTx/>
           <a:buNone/>
           <a:tabLst/>
-          <a:defRPr b="0" baseline="0" cap="none" i="0" spc="0" strike="noStrike" sz="1800" u="none" kumimoji="0" normalizeH="0">
+          <a:defRPr kumimoji="0" sz="1800" b="0" i="0" u="none" strike="noStrike" cap="none" spc="0" normalizeH="0" baseline="0">
             <a:ln>
               <a:noFill/>
             </a:ln>
@@ -11218,7 +11299,7 @@
           <a:buFontTx/>
           <a:buNone/>
           <a:tabLst/>
-          <a:defRPr b="0" baseline="0" cap="none" i="0" spc="0" strike="noStrike" sz="1800" u="none" kumimoji="0" normalizeH="0">
+          <a:defRPr kumimoji="0" sz="1800" b="0" i="0" u="none" strike="noStrike" cap="none" spc="0" normalizeH="0" baseline="0">
             <a:ln>
               <a:noFill/>
             </a:ln>
@@ -11244,7 +11325,7 @@
           <a:buFontTx/>
           <a:buNone/>
           <a:tabLst/>
-          <a:defRPr b="0" baseline="0" cap="none" i="0" spc="0" strike="noStrike" sz="1800" u="none" kumimoji="0" normalizeH="0">
+          <a:defRPr kumimoji="0" sz="1800" b="0" i="0" u="none" strike="noStrike" cap="none" spc="0" normalizeH="0" baseline="0">
             <a:ln>
               <a:noFill/>
             </a:ln>
@@ -11270,7 +11351,7 @@
           <a:buFontTx/>
           <a:buNone/>
           <a:tabLst/>
-          <a:defRPr b="0" baseline="0" cap="none" i="0" spc="0" strike="noStrike" sz="1800" u="none" kumimoji="0" normalizeH="0">
+          <a:defRPr kumimoji="0" sz="1800" b="0" i="0" u="none" strike="noStrike" cap="none" spc="0" normalizeH="0" baseline="0">
             <a:ln>
               <a:noFill/>
             </a:ln>
@@ -11296,7 +11377,7 @@
           <a:buFontTx/>
           <a:buNone/>
           <a:tabLst/>
-          <a:defRPr b="0" baseline="0" cap="none" i="0" spc="0" strike="noStrike" sz="1800" u="none" kumimoji="0" normalizeH="0">
+          <a:defRPr kumimoji="0" sz="1800" b="0" i="0" u="none" strike="noStrike" cap="none" spc="0" normalizeH="0" baseline="0">
             <a:ln>
               <a:noFill/>
             </a:ln>
@@ -11322,7 +11403,7 @@
           <a:buFontTx/>
           <a:buNone/>
           <a:tabLst/>
-          <a:defRPr b="0" baseline="0" cap="none" i="0" spc="0" strike="noStrike" sz="1800" u="none" kumimoji="0" normalizeH="0">
+          <a:defRPr kumimoji="0" sz="1800" b="0" i="0" u="none" strike="noStrike" cap="none" spc="0" normalizeH="0" baseline="0">
             <a:ln>
               <a:noFill/>
             </a:ln>
@@ -11335,12 +11416,19 @@
         </a:lvl9pPr>
       </a:lstStyle>
       <a:style>
-        <a:lnRef idx="0"/>
-        <a:fillRef idx="0"/>
-        <a:effectRef idx="0"/>
+        <a:lnRef idx="0">
+          <a:scrgbClr r="0" g="0" b="0"/>
+        </a:lnRef>
+        <a:fillRef idx="0">
+          <a:scrgbClr r="0" g="0" b="0"/>
+        </a:fillRef>
+        <a:effectRef idx="0">
+          <a:scrgbClr r="0" g="0" b="0"/>
+        </a:effectRef>
         <a:fontRef idx="none"/>
       </a:style>
     </a:txDef>
   </a:objectDefaults>
+  <a:extraClrSchemeLst/>
 </a:theme>
 </file>